--- a/10 mins Prediction on 2016ACdata using LSTM-RNN.pptx
+++ b/10 mins Prediction on 2016ACdata using LSTM-RNN.pptx
@@ -9,7 +9,10 @@
     <p:sldId id="257" r:id="rId3"/>
     <p:sldId id="258" r:id="rId4"/>
     <p:sldId id="259" r:id="rId5"/>
-    <p:sldId id="260" r:id="rId6"/>
+    <p:sldId id="261" r:id="rId6"/>
+    <p:sldId id="260" r:id="rId7"/>
+    <p:sldId id="262" r:id="rId8"/>
+    <p:sldId id="263" r:id="rId9"/>
   </p:sldIdLst>
   <p:sldSz cx="12192000" cy="6858000"/>
   <p:notesSz cx="6858000" cy="9144000"/>
@@ -116,7 +119,7 @@
             <a:srgbClr val="A4A3A4"/>
           </p15:clr>
         </p15:guide>
-        <p15:guide id="2" pos="3840" userDrawn="1">
+        <p15:guide id="2" pos="3817" userDrawn="1">
           <p15:clr>
             <a:srgbClr val="A4A3A4"/>
           </p15:clr>
@@ -3417,7 +3420,16 @@
           <a:bodyPr/>
           <a:lstStyle/>
           <a:p>
-            <a:endParaRPr lang="en-GB" dirty="0"/>
+            <a:r>
+              <a:rPr lang="en-GB" dirty="0"/>
+              <a:t>Clement Lork</a:t>
+            </a:r>
+          </a:p>
+          <a:p>
+            <a:r>
+              <a:rPr lang="en-GB" dirty="0"/>
+              <a:t>30 July 2017</a:t>
+            </a:r>
           </a:p>
         </p:txBody>
       </p:sp>
@@ -3498,7 +3510,7 @@
         <p:spPr/>
         <p:txBody>
           <a:bodyPr>
-            <a:normAutofit fontScale="77500" lnSpcReduction="20000"/>
+            <a:normAutofit fontScale="85000" lnSpcReduction="20000"/>
           </a:bodyPr>
           <a:lstStyle/>
           <a:p>
@@ -3590,6 +3602,25 @@
             </a:r>
           </a:p>
           <a:p>
+            <a:pPr lvl="2"/>
+            <a:r>
+              <a:rPr lang="en-GB" dirty="0"/>
+              <a:t>Pip install </a:t>
+            </a:r>
+            <a:r>
+              <a:rPr lang="en-GB" dirty="0" err="1"/>
+              <a:t>Keras</a:t>
+            </a:r>
+            <a:endParaRPr lang="en-GB" dirty="0"/>
+          </a:p>
+          <a:p>
+            <a:pPr lvl="2"/>
+            <a:r>
+              <a:rPr lang="en-GB" dirty="0"/>
+              <a:t>Pip install Spyder</a:t>
+            </a:r>
+          </a:p>
+          <a:p>
             <a:pPr lvl="1"/>
             <a:r>
               <a:rPr lang="en-GB" dirty="0">
@@ -3600,25 +3631,6 @@
             <a:r>
               <a:rPr lang="en-GB" dirty="0"/>
               <a:t> </a:t>
-            </a:r>
-          </a:p>
-          <a:p>
-            <a:pPr lvl="1"/>
-            <a:r>
-              <a:rPr lang="en-GB" dirty="0"/>
-              <a:t>Pip install </a:t>
-            </a:r>
-            <a:r>
-              <a:rPr lang="en-GB" dirty="0" err="1"/>
-              <a:t>Keras</a:t>
-            </a:r>
-            <a:endParaRPr lang="en-GB" dirty="0"/>
-          </a:p>
-          <a:p>
-            <a:pPr lvl="1"/>
-            <a:r>
-              <a:rPr lang="en-GB" dirty="0"/>
-              <a:t>Pip install Spyder</a:t>
             </a:r>
           </a:p>
           <a:p>
@@ -4670,6 +4682,41 @@
           </a:p>
         </p:txBody>
       </p:sp>
+      <p:sp>
+        <p:nvSpPr>
+          <p:cNvPr id="3" name="TextBox 2">
+            <a:extLst>
+              <a:ext uri="{FF2B5EF4-FFF2-40B4-BE49-F238E27FC236}">
+                <a16:creationId xmlns:a16="http://schemas.microsoft.com/office/drawing/2014/main" id="{B2643880-6E92-47D8-BA8F-958D966B0CC6}"/>
+              </a:ext>
+            </a:extLst>
+          </p:cNvPr>
+          <p:cNvSpPr txBox="1"/>
+          <p:nvPr/>
+        </p:nvSpPr>
+        <p:spPr>
+          <a:xfrm>
+            <a:off x="6059488" y="6001078"/>
+            <a:ext cx="3739613" cy="369332"/>
+          </a:xfrm>
+          <a:prstGeom prst="rect">
+            <a:avLst/>
+          </a:prstGeom>
+          <a:noFill/>
+        </p:spPr>
+        <p:txBody>
+          <a:bodyPr wrap="none" rtlCol="0">
+            <a:spAutoFit/>
+          </a:bodyPr>
+          <a:lstStyle/>
+          <a:p>
+            <a:r>
+              <a:rPr lang="en-GB" dirty="0"/>
+              <a:t>0804 don’t use other bedrooms much</a:t>
+            </a:r>
+          </a:p>
+        </p:txBody>
+      </p:sp>
     </p:spTree>
     <p:extLst>
       <p:ext uri="{BB962C8B-B14F-4D97-AF65-F5344CB8AC3E}">
@@ -5518,6 +5565,41 @@
           </a:p>
         </p:txBody>
       </p:sp>
+      <p:sp>
+        <p:nvSpPr>
+          <p:cNvPr id="3" name="TextBox 2">
+            <a:extLst>
+              <a:ext uri="{FF2B5EF4-FFF2-40B4-BE49-F238E27FC236}">
+                <a16:creationId xmlns:a16="http://schemas.microsoft.com/office/drawing/2014/main" id="{5604D00E-DA7A-4FFD-89AA-C82EE7FC2F5C}"/>
+              </a:ext>
+            </a:extLst>
+          </p:cNvPr>
+          <p:cNvSpPr txBox="1"/>
+          <p:nvPr/>
+        </p:nvSpPr>
+        <p:spPr>
+          <a:xfrm>
+            <a:off x="9179304" y="3746124"/>
+            <a:ext cx="2209101" cy="646331"/>
+          </a:xfrm>
+          <a:prstGeom prst="rect">
+            <a:avLst/>
+          </a:prstGeom>
+          <a:noFill/>
+        </p:spPr>
+        <p:txBody>
+          <a:bodyPr wrap="square" rtlCol="0">
+            <a:spAutoFit/>
+          </a:bodyPr>
+          <a:lstStyle/>
+          <a:p>
+            <a:r>
+              <a:rPr lang="en-GB" dirty="0"/>
+              <a:t>This room uses all 4 different modes</a:t>
+            </a:r>
+          </a:p>
+        </p:txBody>
+      </p:sp>
     </p:spTree>
     <p:extLst>
       <p:ext uri="{BB962C8B-B14F-4D97-AF65-F5344CB8AC3E}">
@@ -5548,12 +5630,72 @@
           <a:chExt cx="0" cy="0"/>
         </a:xfrm>
       </p:grpSpPr>
+      <p:pic>
+        <p:nvPicPr>
+          <p:cNvPr id="280" name="Picture 279">
+            <a:extLst>
+              <a:ext uri="{FF2B5EF4-FFF2-40B4-BE49-F238E27FC236}">
+                <a16:creationId xmlns:a16="http://schemas.microsoft.com/office/drawing/2014/main" id="{54B3AA05-990F-40C5-9F2A-B9302DBC2141}"/>
+              </a:ext>
+            </a:extLst>
+          </p:cNvPr>
+          <p:cNvPicPr>
+            <a:picLocks noChangeAspect="1"/>
+          </p:cNvPicPr>
+          <p:nvPr/>
+        </p:nvPicPr>
+        <p:blipFill>
+          <a:blip r:embed="rId2"/>
+          <a:stretch>
+            <a:fillRect/>
+          </a:stretch>
+        </p:blipFill>
+        <p:spPr>
+          <a:xfrm>
+            <a:off x="8902435" y="2214710"/>
+            <a:ext cx="2727315" cy="1026999"/>
+          </a:xfrm>
+          <a:prstGeom prst="rect">
+            <a:avLst/>
+          </a:prstGeom>
+        </p:spPr>
+      </p:pic>
+      <p:pic>
+        <p:nvPicPr>
+          <p:cNvPr id="279" name="Picture 278">
+            <a:extLst>
+              <a:ext uri="{FF2B5EF4-FFF2-40B4-BE49-F238E27FC236}">
+                <a16:creationId xmlns:a16="http://schemas.microsoft.com/office/drawing/2014/main" id="{4F8CB1C6-510F-45E3-9774-F0579938315A}"/>
+              </a:ext>
+            </a:extLst>
+          </p:cNvPr>
+          <p:cNvPicPr>
+            <a:picLocks noChangeAspect="1"/>
+          </p:cNvPicPr>
+          <p:nvPr/>
+        </p:nvPicPr>
+        <p:blipFill>
+          <a:blip r:embed="rId2"/>
+          <a:stretch>
+            <a:fillRect/>
+          </a:stretch>
+        </p:blipFill>
+        <p:spPr>
+          <a:xfrm>
+            <a:off x="7891615" y="3407304"/>
+            <a:ext cx="2727315" cy="1026999"/>
+          </a:xfrm>
+          <a:prstGeom prst="rect">
+            <a:avLst/>
+          </a:prstGeom>
+        </p:spPr>
+      </p:pic>
       <p:sp>
         <p:nvSpPr>
           <p:cNvPr id="2" name="Title 1">
             <a:extLst>
               <a:ext uri="{FF2B5EF4-FFF2-40B4-BE49-F238E27FC236}">
-                <a16:creationId xmlns:a16="http://schemas.microsoft.com/office/drawing/2014/main" id="{27796892-F46A-4AC8-97CA-E20158A1AC48}"/>
+                <a16:creationId xmlns:a16="http://schemas.microsoft.com/office/drawing/2014/main" id="{5CBCD3D9-81E3-41BB-823F-F2A3EA329CB3}"/>
               </a:ext>
             </a:extLst>
           </p:cNvPr>
@@ -5566,19 +5708,3622 @@
         </p:nvSpPr>
         <p:spPr/>
         <p:txBody>
+          <a:bodyPr>
+            <a:normAutofit/>
+          </a:bodyPr>
+          <a:lstStyle/>
+          <a:p>
+            <a:r>
+              <a:rPr lang="en-GB" sz="3600" dirty="0"/>
+              <a:t>LSTM used for </a:t>
+            </a:r>
+            <a:br>
+              <a:rPr lang="en-GB" sz="3600" dirty="0"/>
+            </a:br>
+            <a:r>
+              <a:rPr lang="en-GB" sz="3600" dirty="0"/>
+              <a:t>0804 </a:t>
+            </a:r>
+            <a:r>
+              <a:rPr lang="en-GB" sz="3600" dirty="0" err="1"/>
+              <a:t>LVr</a:t>
+            </a:r>
+            <a:endParaRPr lang="en-GB" sz="3600" dirty="0"/>
+          </a:p>
+        </p:txBody>
+      </p:sp>
+      <p:sp>
+        <p:nvSpPr>
+          <p:cNvPr id="30" name="Rectangle 29">
+            <a:extLst>
+              <a:ext uri="{FF2B5EF4-FFF2-40B4-BE49-F238E27FC236}">
+                <a16:creationId xmlns:a16="http://schemas.microsoft.com/office/drawing/2014/main" id="{78125735-ACAC-4A34-BB5D-2B8905FD83DA}"/>
+              </a:ext>
+            </a:extLst>
+          </p:cNvPr>
+          <p:cNvSpPr/>
+          <p:nvPr/>
+        </p:nvSpPr>
+        <p:spPr>
+          <a:xfrm>
+            <a:off x="6371420" y="1876107"/>
+            <a:ext cx="1174459" cy="827713"/>
+          </a:xfrm>
+          <a:prstGeom prst="rect">
+            <a:avLst/>
+          </a:prstGeom>
+          <a:solidFill>
+            <a:schemeClr val="accent2"/>
+          </a:solidFill>
+        </p:spPr>
+        <p:style>
+          <a:lnRef idx="2">
+            <a:schemeClr val="accent1">
+              <a:shade val="50000"/>
+            </a:schemeClr>
+          </a:lnRef>
+          <a:fillRef idx="1">
+            <a:schemeClr val="accent1"/>
+          </a:fillRef>
+          <a:effectRef idx="0">
+            <a:schemeClr val="accent1"/>
+          </a:effectRef>
+          <a:fontRef idx="minor">
+            <a:schemeClr val="lt1"/>
+          </a:fontRef>
+        </p:style>
+        <p:txBody>
+          <a:bodyPr rtlCol="0" anchor="ctr"/>
+          <a:lstStyle/>
+          <a:p>
+            <a:pPr algn="ctr"/>
+            <a:r>
+              <a:rPr lang="en-GB" dirty="0"/>
+              <a:t>LSTM</a:t>
+            </a:r>
+          </a:p>
+          <a:p>
+            <a:pPr algn="ctr"/>
+            <a:r>
+              <a:rPr lang="en-GB" dirty="0"/>
+              <a:t>Neuron</a:t>
+            </a:r>
+          </a:p>
+        </p:txBody>
+      </p:sp>
+      <p:grpSp>
+        <p:nvGrpSpPr>
+          <p:cNvPr id="134" name="Group 133">
+            <a:extLst>
+              <a:ext uri="{FF2B5EF4-FFF2-40B4-BE49-F238E27FC236}">
+                <a16:creationId xmlns:a16="http://schemas.microsoft.com/office/drawing/2014/main" id="{5532135A-F104-4648-B24C-9C90C5D92747}"/>
+              </a:ext>
+            </a:extLst>
+          </p:cNvPr>
+          <p:cNvGrpSpPr/>
+          <p:nvPr/>
+        </p:nvGrpSpPr>
+        <p:grpSpPr>
+          <a:xfrm>
+            <a:off x="916032" y="3332802"/>
+            <a:ext cx="8531604" cy="3207508"/>
+            <a:chOff x="897622" y="3429000"/>
+            <a:chExt cx="8774884" cy="3298971"/>
+          </a:xfrm>
+        </p:grpSpPr>
+        <p:grpSp>
+          <p:nvGrpSpPr>
+            <p:cNvPr id="51" name="Group 50">
+              <a:extLst>
+                <a:ext uri="{FF2B5EF4-FFF2-40B4-BE49-F238E27FC236}">
+                  <a16:creationId xmlns:a16="http://schemas.microsoft.com/office/drawing/2014/main" id="{19D05C41-BD52-4F40-B6C1-6C6E6F97389E}"/>
+                </a:ext>
+              </a:extLst>
+            </p:cNvPr>
+            <p:cNvGrpSpPr/>
+            <p:nvPr/>
+          </p:nvGrpSpPr>
+          <p:grpSpPr>
+            <a:xfrm>
+              <a:off x="1132514" y="3607266"/>
+              <a:ext cx="4004651" cy="2979959"/>
+              <a:chOff x="1132514" y="3607266"/>
+              <a:chExt cx="4004651" cy="2979959"/>
+            </a:xfrm>
+          </p:grpSpPr>
+          <p:sp>
+            <p:nvSpPr>
+              <p:cNvPr id="4" name="Oval 3">
+                <a:extLst>
+                  <a:ext uri="{FF2B5EF4-FFF2-40B4-BE49-F238E27FC236}">
+                    <a16:creationId xmlns:a16="http://schemas.microsoft.com/office/drawing/2014/main" id="{3AB23246-EC0B-4DC3-85BF-F7AAC61E42EE}"/>
+                  </a:ext>
+                </a:extLst>
+              </p:cNvPr>
+              <p:cNvSpPr/>
+              <p:nvPr/>
+            </p:nvSpPr>
+            <p:spPr>
+              <a:xfrm>
+                <a:off x="1191238" y="5083729"/>
+                <a:ext cx="486561" cy="486561"/>
+              </a:xfrm>
+              <a:prstGeom prst="ellipse">
+                <a:avLst/>
+              </a:prstGeom>
+            </p:spPr>
+            <p:style>
+              <a:lnRef idx="2">
+                <a:schemeClr val="accent1">
+                  <a:shade val="50000"/>
+                </a:schemeClr>
+              </a:lnRef>
+              <a:fillRef idx="1">
+                <a:schemeClr val="accent1"/>
+              </a:fillRef>
+              <a:effectRef idx="0">
+                <a:schemeClr val="accent1"/>
+              </a:effectRef>
+              <a:fontRef idx="minor">
+                <a:schemeClr val="lt1"/>
+              </a:fontRef>
+            </p:style>
+            <p:txBody>
+              <a:bodyPr rtlCol="0" anchor="ctr"/>
+              <a:lstStyle/>
+              <a:p>
+                <a:pPr algn="ctr"/>
+                <a:endParaRPr lang="en-GB"/>
+              </a:p>
+            </p:txBody>
+          </p:sp>
+          <p:sp>
+            <p:nvSpPr>
+              <p:cNvPr id="5" name="Oval 4">
+                <a:extLst>
+                  <a:ext uri="{FF2B5EF4-FFF2-40B4-BE49-F238E27FC236}">
+                    <a16:creationId xmlns:a16="http://schemas.microsoft.com/office/drawing/2014/main" id="{38E61A53-8A5C-49B3-9114-29AE3DCA83DB}"/>
+                  </a:ext>
+                </a:extLst>
+              </p:cNvPr>
+              <p:cNvSpPr/>
+              <p:nvPr/>
+            </p:nvSpPr>
+            <p:spPr>
+              <a:xfrm>
+                <a:off x="1909895" y="5075340"/>
+                <a:ext cx="486561" cy="486561"/>
+              </a:xfrm>
+              <a:prstGeom prst="ellipse">
+                <a:avLst/>
+              </a:prstGeom>
+            </p:spPr>
+            <p:style>
+              <a:lnRef idx="2">
+                <a:schemeClr val="accent1">
+                  <a:shade val="50000"/>
+                </a:schemeClr>
+              </a:lnRef>
+              <a:fillRef idx="1">
+                <a:schemeClr val="accent1"/>
+              </a:fillRef>
+              <a:effectRef idx="0">
+                <a:schemeClr val="accent1"/>
+              </a:effectRef>
+              <a:fontRef idx="minor">
+                <a:schemeClr val="lt1"/>
+              </a:fontRef>
+            </p:style>
+            <p:txBody>
+              <a:bodyPr rtlCol="0" anchor="ctr"/>
+              <a:lstStyle/>
+              <a:p>
+                <a:pPr algn="ctr"/>
+                <a:endParaRPr lang="en-GB"/>
+              </a:p>
+            </p:txBody>
+          </p:sp>
+          <p:sp>
+            <p:nvSpPr>
+              <p:cNvPr id="6" name="Oval 5">
+                <a:extLst>
+                  <a:ext uri="{FF2B5EF4-FFF2-40B4-BE49-F238E27FC236}">
+                    <a16:creationId xmlns:a16="http://schemas.microsoft.com/office/drawing/2014/main" id="{D014DF45-35CA-49C7-8A33-43744A8E4036}"/>
+                  </a:ext>
+                </a:extLst>
+              </p:cNvPr>
+              <p:cNvSpPr/>
+              <p:nvPr/>
+            </p:nvSpPr>
+            <p:spPr>
+              <a:xfrm>
+                <a:off x="2628552" y="5083729"/>
+                <a:ext cx="486561" cy="486561"/>
+              </a:xfrm>
+              <a:prstGeom prst="ellipse">
+                <a:avLst/>
+              </a:prstGeom>
+            </p:spPr>
+            <p:style>
+              <a:lnRef idx="2">
+                <a:schemeClr val="accent1">
+                  <a:shade val="50000"/>
+                </a:schemeClr>
+              </a:lnRef>
+              <a:fillRef idx="1">
+                <a:schemeClr val="accent1"/>
+              </a:fillRef>
+              <a:effectRef idx="0">
+                <a:schemeClr val="accent1"/>
+              </a:effectRef>
+              <a:fontRef idx="minor">
+                <a:schemeClr val="lt1"/>
+              </a:fontRef>
+            </p:style>
+            <p:txBody>
+              <a:bodyPr rtlCol="0" anchor="ctr"/>
+              <a:lstStyle/>
+              <a:p>
+                <a:pPr algn="ctr"/>
+                <a:endParaRPr lang="en-GB"/>
+              </a:p>
+            </p:txBody>
+          </p:sp>
+          <p:sp>
+            <p:nvSpPr>
+              <p:cNvPr id="8" name="Oval 7">
+                <a:extLst>
+                  <a:ext uri="{FF2B5EF4-FFF2-40B4-BE49-F238E27FC236}">
+                    <a16:creationId xmlns:a16="http://schemas.microsoft.com/office/drawing/2014/main" id="{5394FE3B-53C2-42D6-B5C5-9881C6A45969}"/>
+                  </a:ext>
+                </a:extLst>
+              </p:cNvPr>
+              <p:cNvSpPr/>
+              <p:nvPr/>
+            </p:nvSpPr>
+            <p:spPr>
+              <a:xfrm>
+                <a:off x="3383561" y="5083729"/>
+                <a:ext cx="486561" cy="486561"/>
+              </a:xfrm>
+              <a:prstGeom prst="ellipse">
+                <a:avLst/>
+              </a:prstGeom>
+            </p:spPr>
+            <p:style>
+              <a:lnRef idx="2">
+                <a:schemeClr val="accent1">
+                  <a:shade val="50000"/>
+                </a:schemeClr>
+              </a:lnRef>
+              <a:fillRef idx="1">
+                <a:schemeClr val="accent1"/>
+              </a:fillRef>
+              <a:effectRef idx="0">
+                <a:schemeClr val="accent1"/>
+              </a:effectRef>
+              <a:fontRef idx="minor">
+                <a:schemeClr val="lt1"/>
+              </a:fontRef>
+            </p:style>
+            <p:txBody>
+              <a:bodyPr rtlCol="0" anchor="ctr"/>
+              <a:lstStyle/>
+              <a:p>
+                <a:pPr algn="ctr"/>
+                <a:endParaRPr lang="en-GB"/>
+              </a:p>
+            </p:txBody>
+          </p:sp>
+          <p:sp>
+            <p:nvSpPr>
+              <p:cNvPr id="9" name="Oval 8">
+                <a:extLst>
+                  <a:ext uri="{FF2B5EF4-FFF2-40B4-BE49-F238E27FC236}">
+                    <a16:creationId xmlns:a16="http://schemas.microsoft.com/office/drawing/2014/main" id="{5F034860-96CA-44E7-AC90-667FD1948C46}"/>
+                  </a:ext>
+                </a:extLst>
+              </p:cNvPr>
+              <p:cNvSpPr/>
+              <p:nvPr/>
+            </p:nvSpPr>
+            <p:spPr>
+              <a:xfrm>
+                <a:off x="4132977" y="5083729"/>
+                <a:ext cx="486561" cy="486561"/>
+              </a:xfrm>
+              <a:prstGeom prst="ellipse">
+                <a:avLst/>
+              </a:prstGeom>
+            </p:spPr>
+            <p:style>
+              <a:lnRef idx="2">
+                <a:schemeClr val="accent1">
+                  <a:shade val="50000"/>
+                </a:schemeClr>
+              </a:lnRef>
+              <a:fillRef idx="1">
+                <a:schemeClr val="accent1"/>
+              </a:fillRef>
+              <a:effectRef idx="0">
+                <a:schemeClr val="accent1"/>
+              </a:effectRef>
+              <a:fontRef idx="minor">
+                <a:schemeClr val="lt1"/>
+              </a:fontRef>
+            </p:style>
+            <p:txBody>
+              <a:bodyPr rtlCol="0" anchor="ctr"/>
+              <a:lstStyle/>
+              <a:p>
+                <a:pPr algn="ctr"/>
+                <a:endParaRPr lang="en-GB"/>
+              </a:p>
+            </p:txBody>
+          </p:sp>
+          <p:sp>
+            <p:nvSpPr>
+              <p:cNvPr id="10" name="Rectangle 9">
+                <a:extLst>
+                  <a:ext uri="{FF2B5EF4-FFF2-40B4-BE49-F238E27FC236}">
+                    <a16:creationId xmlns:a16="http://schemas.microsoft.com/office/drawing/2014/main" id="{B2D334E3-09BD-4121-8D90-4C6A4FA345F9}"/>
+                  </a:ext>
+                </a:extLst>
+              </p:cNvPr>
+              <p:cNvSpPr/>
+              <p:nvPr/>
+            </p:nvSpPr>
+            <p:spPr>
+              <a:xfrm>
+                <a:off x="2175547" y="3607266"/>
+                <a:ext cx="1208014" cy="778079"/>
+              </a:xfrm>
+              <a:prstGeom prst="rect">
+                <a:avLst/>
+              </a:prstGeom>
+            </p:spPr>
+            <p:style>
+              <a:lnRef idx="2">
+                <a:schemeClr val="accent1">
+                  <a:shade val="50000"/>
+                </a:schemeClr>
+              </a:lnRef>
+              <a:fillRef idx="1">
+                <a:schemeClr val="accent1"/>
+              </a:fillRef>
+              <a:effectRef idx="0">
+                <a:schemeClr val="accent1"/>
+              </a:effectRef>
+              <a:fontRef idx="minor">
+                <a:schemeClr val="lt1"/>
+              </a:fontRef>
+            </p:style>
+            <p:txBody>
+              <a:bodyPr rtlCol="0" anchor="ctr"/>
+              <a:lstStyle/>
+              <a:p>
+                <a:pPr algn="ctr"/>
+                <a:r>
+                  <a:rPr lang="en-GB" dirty="0"/>
+                  <a:t>LSTM Neuron</a:t>
+                </a:r>
+              </a:p>
+            </p:txBody>
+          </p:sp>
+          <p:cxnSp>
+            <p:nvCxnSpPr>
+              <p:cNvPr id="12" name="Straight Arrow Connector 11">
+                <a:extLst>
+                  <a:ext uri="{FF2B5EF4-FFF2-40B4-BE49-F238E27FC236}">
+                    <a16:creationId xmlns:a16="http://schemas.microsoft.com/office/drawing/2014/main" id="{907FEFBE-9B08-4CF0-9B7A-E4CED12590C0}"/>
+                  </a:ext>
+                </a:extLst>
+              </p:cNvPr>
+              <p:cNvCxnSpPr>
+                <a:cxnSpLocks/>
+              </p:cNvCxnSpPr>
+              <p:nvPr/>
+            </p:nvCxnSpPr>
+            <p:spPr>
+              <a:xfrm flipV="1">
+                <a:off x="1391874" y="4437777"/>
+                <a:ext cx="663430" cy="478171"/>
+              </a:xfrm>
+              <a:prstGeom prst="straightConnector1">
+                <a:avLst/>
+              </a:prstGeom>
+              <a:ln>
+                <a:tailEnd type="triangle"/>
+              </a:ln>
+            </p:spPr>
+            <p:style>
+              <a:lnRef idx="1">
+                <a:schemeClr val="accent1"/>
+              </a:lnRef>
+              <a:fillRef idx="0">
+                <a:schemeClr val="accent1"/>
+              </a:fillRef>
+              <a:effectRef idx="0">
+                <a:schemeClr val="accent1"/>
+              </a:effectRef>
+              <a:fontRef idx="minor">
+                <a:schemeClr val="tx1"/>
+              </a:fontRef>
+            </p:style>
+          </p:cxnSp>
+          <p:cxnSp>
+            <p:nvCxnSpPr>
+              <p:cNvPr id="13" name="Straight Arrow Connector 12">
+                <a:extLst>
+                  <a:ext uri="{FF2B5EF4-FFF2-40B4-BE49-F238E27FC236}">
+                    <a16:creationId xmlns:a16="http://schemas.microsoft.com/office/drawing/2014/main" id="{F90B47B4-7C43-4B8B-9E4B-EBF0EF070A60}"/>
+                  </a:ext>
+                </a:extLst>
+              </p:cNvPr>
+              <p:cNvCxnSpPr>
+                <a:cxnSpLocks/>
+              </p:cNvCxnSpPr>
+              <p:nvPr/>
+            </p:nvCxnSpPr>
+            <p:spPr>
+              <a:xfrm flipV="1">
+                <a:off x="2209102" y="4437776"/>
+                <a:ext cx="282429" cy="536896"/>
+              </a:xfrm>
+              <a:prstGeom prst="straightConnector1">
+                <a:avLst/>
+              </a:prstGeom>
+              <a:ln>
+                <a:tailEnd type="triangle"/>
+              </a:ln>
+            </p:spPr>
+            <p:style>
+              <a:lnRef idx="1">
+                <a:schemeClr val="accent1"/>
+              </a:lnRef>
+              <a:fillRef idx="0">
+                <a:schemeClr val="accent1"/>
+              </a:fillRef>
+              <a:effectRef idx="0">
+                <a:schemeClr val="accent1"/>
+              </a:effectRef>
+              <a:fontRef idx="minor">
+                <a:schemeClr val="tx1"/>
+              </a:fontRef>
+            </p:style>
+          </p:cxnSp>
+          <p:cxnSp>
+            <p:nvCxnSpPr>
+              <p:cNvPr id="15" name="Straight Arrow Connector 14">
+                <a:extLst>
+                  <a:ext uri="{FF2B5EF4-FFF2-40B4-BE49-F238E27FC236}">
+                    <a16:creationId xmlns:a16="http://schemas.microsoft.com/office/drawing/2014/main" id="{A5D7981D-A16F-4A6B-A258-BD23D21E5E29}"/>
+                  </a:ext>
+                </a:extLst>
+              </p:cNvPr>
+              <p:cNvCxnSpPr>
+                <a:cxnSpLocks/>
+              </p:cNvCxnSpPr>
+              <p:nvPr/>
+            </p:nvCxnSpPr>
+            <p:spPr>
+              <a:xfrm flipV="1">
+                <a:off x="2832684" y="4461894"/>
+                <a:ext cx="39148" cy="588279"/>
+              </a:xfrm>
+              <a:prstGeom prst="straightConnector1">
+                <a:avLst/>
+              </a:prstGeom>
+              <a:ln>
+                <a:tailEnd type="triangle"/>
+              </a:ln>
+            </p:spPr>
+            <p:style>
+              <a:lnRef idx="1">
+                <a:schemeClr val="accent1"/>
+              </a:lnRef>
+              <a:fillRef idx="0">
+                <a:schemeClr val="accent1"/>
+              </a:fillRef>
+              <a:effectRef idx="0">
+                <a:schemeClr val="accent1"/>
+              </a:effectRef>
+              <a:fontRef idx="minor">
+                <a:schemeClr val="tx1"/>
+              </a:fontRef>
+            </p:style>
+          </p:cxnSp>
+          <p:cxnSp>
+            <p:nvCxnSpPr>
+              <p:cNvPr id="17" name="Straight Arrow Connector 16">
+                <a:extLst>
+                  <a:ext uri="{FF2B5EF4-FFF2-40B4-BE49-F238E27FC236}">
+                    <a16:creationId xmlns:a16="http://schemas.microsoft.com/office/drawing/2014/main" id="{BB3F85C0-4008-4466-97A7-6AAD49028AF5}"/>
+                  </a:ext>
+                </a:extLst>
+              </p:cNvPr>
+              <p:cNvCxnSpPr>
+                <a:cxnSpLocks/>
+              </p:cNvCxnSpPr>
+              <p:nvPr/>
+            </p:nvCxnSpPr>
+            <p:spPr>
+              <a:xfrm flipH="1" flipV="1">
+                <a:off x="3383561" y="4437776"/>
+                <a:ext cx="243280" cy="612397"/>
+              </a:xfrm>
+              <a:prstGeom prst="straightConnector1">
+                <a:avLst/>
+              </a:prstGeom>
+              <a:ln>
+                <a:tailEnd type="triangle"/>
+              </a:ln>
+            </p:spPr>
+            <p:style>
+              <a:lnRef idx="1">
+                <a:schemeClr val="accent1"/>
+              </a:lnRef>
+              <a:fillRef idx="0">
+                <a:schemeClr val="accent1"/>
+              </a:fillRef>
+              <a:effectRef idx="0">
+                <a:schemeClr val="accent1"/>
+              </a:effectRef>
+              <a:fontRef idx="minor">
+                <a:schemeClr val="tx1"/>
+              </a:fontRef>
+            </p:style>
+          </p:cxnSp>
+          <p:cxnSp>
+            <p:nvCxnSpPr>
+              <p:cNvPr id="19" name="Straight Arrow Connector 18">
+                <a:extLst>
+                  <a:ext uri="{FF2B5EF4-FFF2-40B4-BE49-F238E27FC236}">
+                    <a16:creationId xmlns:a16="http://schemas.microsoft.com/office/drawing/2014/main" id="{43175C64-C729-40E4-8B92-5160D1EFD6AD}"/>
+                  </a:ext>
+                </a:extLst>
+              </p:cNvPr>
+              <p:cNvCxnSpPr>
+                <a:cxnSpLocks/>
+              </p:cNvCxnSpPr>
+              <p:nvPr/>
+            </p:nvCxnSpPr>
+            <p:spPr>
+              <a:xfrm flipH="1" flipV="1">
+                <a:off x="3505201" y="4320330"/>
+                <a:ext cx="871056" cy="692093"/>
+              </a:xfrm>
+              <a:prstGeom prst="straightConnector1">
+                <a:avLst/>
+              </a:prstGeom>
+              <a:ln>
+                <a:tailEnd type="triangle"/>
+              </a:ln>
+            </p:spPr>
+            <p:style>
+              <a:lnRef idx="1">
+                <a:schemeClr val="accent1"/>
+              </a:lnRef>
+              <a:fillRef idx="0">
+                <a:schemeClr val="accent1"/>
+              </a:fillRef>
+              <a:effectRef idx="0">
+                <a:schemeClr val="accent1"/>
+              </a:effectRef>
+              <a:fontRef idx="minor">
+                <a:schemeClr val="tx1"/>
+              </a:fontRef>
+            </p:style>
+          </p:cxnSp>
+          <p:sp>
+            <p:nvSpPr>
+              <p:cNvPr id="22" name="TextBox 21">
+                <a:extLst>
+                  <a:ext uri="{FF2B5EF4-FFF2-40B4-BE49-F238E27FC236}">
+                    <a16:creationId xmlns:a16="http://schemas.microsoft.com/office/drawing/2014/main" id="{33DEE972-BD33-4634-B5FA-6AC6CD429E29}"/>
+                  </a:ext>
+                </a:extLst>
+              </p:cNvPr>
+              <p:cNvSpPr txBox="1"/>
+              <p:nvPr/>
+            </p:nvSpPr>
+            <p:spPr>
+              <a:xfrm>
+                <a:off x="1255303" y="5727367"/>
+                <a:ext cx="288862" cy="261610"/>
+              </a:xfrm>
+              <a:prstGeom prst="rect">
+                <a:avLst/>
+              </a:prstGeom>
+              <a:noFill/>
+            </p:spPr>
+            <p:txBody>
+              <a:bodyPr wrap="none" rtlCol="0">
+                <a:spAutoFit/>
+              </a:bodyPr>
+              <a:lstStyle/>
+              <a:p>
+                <a:r>
+                  <a:rPr lang="en-GB" sz="1100" dirty="0"/>
+                  <a:t>IT</a:t>
+                </a:r>
+              </a:p>
+            </p:txBody>
+          </p:sp>
+          <p:sp>
+            <p:nvSpPr>
+              <p:cNvPr id="23" name="TextBox 22">
+                <a:extLst>
+                  <a:ext uri="{FF2B5EF4-FFF2-40B4-BE49-F238E27FC236}">
+                    <a16:creationId xmlns:a16="http://schemas.microsoft.com/office/drawing/2014/main" id="{3A2B7B27-F074-4159-B34D-7EB0722F47C7}"/>
+                  </a:ext>
+                </a:extLst>
+              </p:cNvPr>
+              <p:cNvSpPr txBox="1"/>
+              <p:nvPr/>
+            </p:nvSpPr>
+            <p:spPr>
+              <a:xfrm>
+                <a:off x="1956621" y="5715001"/>
+                <a:ext cx="346570" cy="261610"/>
+              </a:xfrm>
+              <a:prstGeom prst="rect">
+                <a:avLst/>
+              </a:prstGeom>
+              <a:noFill/>
+            </p:spPr>
+            <p:txBody>
+              <a:bodyPr wrap="none" rtlCol="0">
+                <a:spAutoFit/>
+              </a:bodyPr>
+              <a:lstStyle/>
+              <a:p>
+                <a:r>
+                  <a:rPr lang="en-GB" sz="1100" dirty="0"/>
+                  <a:t>OT</a:t>
+                </a:r>
+              </a:p>
+            </p:txBody>
+          </p:sp>
+          <p:sp>
+            <p:nvSpPr>
+              <p:cNvPr id="24" name="TextBox 23">
+                <a:extLst>
+                  <a:ext uri="{FF2B5EF4-FFF2-40B4-BE49-F238E27FC236}">
+                    <a16:creationId xmlns:a16="http://schemas.microsoft.com/office/drawing/2014/main" id="{64B95190-4EFB-4D68-8E6D-17DABFF6FFD0}"/>
+                  </a:ext>
+                </a:extLst>
+              </p:cNvPr>
+              <p:cNvSpPr txBox="1"/>
+              <p:nvPr/>
+            </p:nvSpPr>
+            <p:spPr>
+              <a:xfrm>
+                <a:off x="2484672" y="5721076"/>
+                <a:ext cx="696024" cy="261610"/>
+              </a:xfrm>
+              <a:prstGeom prst="rect">
+                <a:avLst/>
+              </a:prstGeom>
+              <a:noFill/>
+            </p:spPr>
+            <p:txBody>
+              <a:bodyPr wrap="none" rtlCol="0">
+                <a:spAutoFit/>
+              </a:bodyPr>
+              <a:lstStyle/>
+              <a:p>
+                <a:r>
+                  <a:rPr lang="en-GB" sz="1100" dirty="0"/>
+                  <a:t>Set Point</a:t>
+                </a:r>
+              </a:p>
+            </p:txBody>
+          </p:sp>
+          <p:sp>
+            <p:nvSpPr>
+              <p:cNvPr id="25" name="TextBox 24">
+                <a:extLst>
+                  <a:ext uri="{FF2B5EF4-FFF2-40B4-BE49-F238E27FC236}">
+                    <a16:creationId xmlns:a16="http://schemas.microsoft.com/office/drawing/2014/main" id="{1E0A9C21-BA2F-4308-AC3B-768AEC5615C6}"/>
+                  </a:ext>
+                </a:extLst>
+              </p:cNvPr>
+              <p:cNvSpPr txBox="1"/>
+              <p:nvPr/>
+            </p:nvSpPr>
+            <p:spPr>
+              <a:xfrm>
+                <a:off x="3243698" y="5677250"/>
+                <a:ext cx="1893467" cy="430887"/>
+              </a:xfrm>
+              <a:prstGeom prst="rect">
+                <a:avLst/>
+              </a:prstGeom>
+              <a:noFill/>
+            </p:spPr>
+            <p:txBody>
+              <a:bodyPr wrap="none" rtlCol="0">
+                <a:spAutoFit/>
+              </a:bodyPr>
+              <a:lstStyle/>
+              <a:p>
+                <a:r>
+                  <a:rPr lang="en-GB" sz="1100" dirty="0"/>
+                  <a:t>One hot encoding for ON/OFF</a:t>
+                </a:r>
+              </a:p>
+              <a:p>
+                <a:r>
+                  <a:rPr lang="en-GB" sz="1100" dirty="0"/>
+                  <a:t>[0,1] for ON, [1,0] for OFF</a:t>
+                </a:r>
+              </a:p>
+            </p:txBody>
+          </p:sp>
+          <p:sp>
+            <p:nvSpPr>
+              <p:cNvPr id="26" name="Rectangle 25">
+                <a:extLst>
+                  <a:ext uri="{FF2B5EF4-FFF2-40B4-BE49-F238E27FC236}">
+                    <a16:creationId xmlns:a16="http://schemas.microsoft.com/office/drawing/2014/main" id="{6E19BF91-A0A8-4DB3-B5AD-8BBA8D553EA7}"/>
+                  </a:ext>
+                </a:extLst>
+              </p:cNvPr>
+              <p:cNvSpPr/>
+              <p:nvPr/>
+            </p:nvSpPr>
+            <p:spPr>
+              <a:xfrm>
+                <a:off x="1132514" y="5715001"/>
+                <a:ext cx="4004651" cy="393136"/>
+              </a:xfrm>
+              <a:prstGeom prst="rect">
+                <a:avLst/>
+              </a:prstGeom>
+              <a:noFill/>
+            </p:spPr>
+            <p:style>
+              <a:lnRef idx="2">
+                <a:schemeClr val="accent1">
+                  <a:shade val="50000"/>
+                </a:schemeClr>
+              </a:lnRef>
+              <a:fillRef idx="1">
+                <a:schemeClr val="accent1"/>
+              </a:fillRef>
+              <a:effectRef idx="0">
+                <a:schemeClr val="accent1"/>
+              </a:effectRef>
+              <a:fontRef idx="minor">
+                <a:schemeClr val="lt1"/>
+              </a:fontRef>
+            </p:style>
+            <p:txBody>
+              <a:bodyPr rtlCol="0" anchor="ctr"/>
+              <a:lstStyle/>
+              <a:p>
+                <a:pPr algn="ctr"/>
+                <a:endParaRPr lang="en-GB"/>
+              </a:p>
+            </p:txBody>
+          </p:sp>
+          <p:sp>
+            <p:nvSpPr>
+              <p:cNvPr id="29" name="TextBox 28">
+                <a:extLst>
+                  <a:ext uri="{FF2B5EF4-FFF2-40B4-BE49-F238E27FC236}">
+                    <a16:creationId xmlns:a16="http://schemas.microsoft.com/office/drawing/2014/main" id="{C879B8C6-F34B-495E-981E-C4EC7E9A0EB8}"/>
+                  </a:ext>
+                </a:extLst>
+              </p:cNvPr>
+              <p:cNvSpPr txBox="1"/>
+              <p:nvPr/>
+            </p:nvSpPr>
+            <p:spPr>
+              <a:xfrm>
+                <a:off x="1188944" y="6156338"/>
+                <a:ext cx="3852337" cy="430887"/>
+              </a:xfrm>
+              <a:prstGeom prst="rect">
+                <a:avLst/>
+              </a:prstGeom>
+              <a:noFill/>
+            </p:spPr>
+            <p:txBody>
+              <a:bodyPr wrap="none" rtlCol="0">
+                <a:spAutoFit/>
+              </a:bodyPr>
+              <a:lstStyle/>
+              <a:p>
+                <a:pPr algn="ctr"/>
+                <a:r>
+                  <a:rPr lang="en-GB" sz="1100" dirty="0"/>
+                  <a:t>All values standardized to unit variance </a:t>
+                </a:r>
+                <a:r>
+                  <a:rPr lang="en-GB" sz="1100" dirty="0">
+                    <a:sym typeface="Wingdings" panose="05000000000000000000" pitchFamily="2" charset="2"/>
+                  </a:rPr>
+                  <a:t> (data-mean)/</a:t>
+                </a:r>
+                <a:r>
+                  <a:rPr lang="en-GB" sz="1100" dirty="0" err="1">
+                    <a:sym typeface="Wingdings" panose="05000000000000000000" pitchFamily="2" charset="2"/>
+                  </a:rPr>
+                  <a:t>data.std</a:t>
+                </a:r>
+                <a:endParaRPr lang="en-GB" sz="1100" dirty="0">
+                  <a:sym typeface="Wingdings" panose="05000000000000000000" pitchFamily="2" charset="2"/>
+                </a:endParaRPr>
+              </a:p>
+              <a:p>
+                <a:pPr algn="ctr"/>
+                <a:r>
+                  <a:rPr lang="en-GB" sz="1100" dirty="0">
+                    <a:sym typeface="Wingdings" panose="05000000000000000000" pitchFamily="2" charset="2"/>
+                  </a:rPr>
+                  <a:t>X (t-96)</a:t>
+                </a:r>
+              </a:p>
+            </p:txBody>
+          </p:sp>
+        </p:grpSp>
+        <p:cxnSp>
+          <p:nvCxnSpPr>
+            <p:cNvPr id="71" name="Straight Arrow Connector 70">
+              <a:extLst>
+                <a:ext uri="{FF2B5EF4-FFF2-40B4-BE49-F238E27FC236}">
+                  <a16:creationId xmlns:a16="http://schemas.microsoft.com/office/drawing/2014/main" id="{016E4E6B-E544-4AB8-B374-10102A01490C}"/>
+                </a:ext>
+              </a:extLst>
+            </p:cNvPr>
+            <p:cNvCxnSpPr>
+              <a:cxnSpLocks/>
+            </p:cNvCxnSpPr>
+            <p:nvPr/>
+          </p:nvCxnSpPr>
+          <p:spPr>
+            <a:xfrm>
+              <a:off x="3626841" y="3926048"/>
+              <a:ext cx="433431" cy="0"/>
+            </a:xfrm>
+            <a:prstGeom prst="straightConnector1">
+              <a:avLst/>
+            </a:prstGeom>
+            <a:ln>
+              <a:tailEnd type="triangle"/>
+            </a:ln>
+          </p:spPr>
+          <p:style>
+            <a:lnRef idx="1">
+              <a:schemeClr val="accent1"/>
+            </a:lnRef>
+            <a:fillRef idx="0">
+              <a:schemeClr val="accent1"/>
+            </a:fillRef>
+            <a:effectRef idx="0">
+              <a:schemeClr val="accent1"/>
+            </a:effectRef>
+            <a:fontRef idx="minor">
+              <a:schemeClr val="tx1"/>
+            </a:fontRef>
+          </p:style>
+        </p:cxnSp>
+        <p:pic>
+          <p:nvPicPr>
+            <p:cNvPr id="108" name="Picture 107">
+              <a:extLst>
+                <a:ext uri="{FF2B5EF4-FFF2-40B4-BE49-F238E27FC236}">
+                  <a16:creationId xmlns:a16="http://schemas.microsoft.com/office/drawing/2014/main" id="{7437CF84-050D-40AB-B418-0DAF62A42230}"/>
+                </a:ext>
+              </a:extLst>
+            </p:cNvPr>
+            <p:cNvPicPr>
+              <a:picLocks noChangeAspect="1"/>
+            </p:cNvPicPr>
+            <p:nvPr/>
+          </p:nvPicPr>
+          <p:blipFill>
+            <a:blip r:embed="rId3"/>
+            <a:stretch>
+              <a:fillRect/>
+            </a:stretch>
+          </p:blipFill>
+          <p:spPr>
+            <a:xfrm>
+              <a:off x="4090353" y="3818129"/>
+              <a:ext cx="1144999" cy="861790"/>
+            </a:xfrm>
+            <a:prstGeom prst="rect">
+              <a:avLst/>
+            </a:prstGeom>
+          </p:spPr>
+        </p:pic>
+        <p:cxnSp>
+          <p:nvCxnSpPr>
+            <p:cNvPr id="109" name="Straight Arrow Connector 108">
+              <a:extLst>
+                <a:ext uri="{FF2B5EF4-FFF2-40B4-BE49-F238E27FC236}">
+                  <a16:creationId xmlns:a16="http://schemas.microsoft.com/office/drawing/2014/main" id="{789DC68C-67DE-45D8-8E38-A756B32BD3F2}"/>
+                </a:ext>
+              </a:extLst>
+            </p:cNvPr>
+            <p:cNvCxnSpPr/>
+            <p:nvPr/>
+          </p:nvCxnSpPr>
+          <p:spPr>
+            <a:xfrm>
+              <a:off x="5570835" y="3926048"/>
+              <a:ext cx="749416" cy="0"/>
+            </a:xfrm>
+            <a:prstGeom prst="straightConnector1">
+              <a:avLst/>
+            </a:prstGeom>
+            <a:ln>
+              <a:tailEnd type="triangle"/>
+            </a:ln>
+          </p:spPr>
+          <p:style>
+            <a:lnRef idx="1">
+              <a:schemeClr val="accent1"/>
+            </a:lnRef>
+            <a:fillRef idx="0">
+              <a:schemeClr val="accent1"/>
+            </a:fillRef>
+            <a:effectRef idx="0">
+              <a:schemeClr val="accent1"/>
+            </a:effectRef>
+            <a:fontRef idx="minor">
+              <a:schemeClr val="tx1"/>
+            </a:fontRef>
+          </p:style>
+        </p:cxnSp>
+        <p:sp>
+          <p:nvSpPr>
+            <p:cNvPr id="111" name="TextBox 110">
+              <a:extLst>
+                <a:ext uri="{FF2B5EF4-FFF2-40B4-BE49-F238E27FC236}">
+                  <a16:creationId xmlns:a16="http://schemas.microsoft.com/office/drawing/2014/main" id="{9242F529-2D0C-4DDC-9661-358704805A58}"/>
+                </a:ext>
+              </a:extLst>
+            </p:cNvPr>
+            <p:cNvSpPr txBox="1"/>
+            <p:nvPr/>
+          </p:nvSpPr>
+          <p:spPr>
+            <a:xfrm>
+              <a:off x="5036777" y="3664060"/>
+              <a:ext cx="343364" cy="369332"/>
+            </a:xfrm>
+            <a:prstGeom prst="rect">
+              <a:avLst/>
+            </a:prstGeom>
+            <a:noFill/>
+          </p:spPr>
+          <p:txBody>
+            <a:bodyPr wrap="none" rtlCol="0">
+              <a:spAutoFit/>
+            </a:bodyPr>
+            <a:lstStyle/>
+            <a:p>
+              <a:r>
+                <a:rPr lang="en-GB" dirty="0"/>
+                <a:t>…</a:t>
+              </a:r>
+            </a:p>
+          </p:txBody>
+        </p:sp>
+        <p:grpSp>
+          <p:nvGrpSpPr>
+            <p:cNvPr id="112" name="Group 111">
+              <a:extLst>
+                <a:ext uri="{FF2B5EF4-FFF2-40B4-BE49-F238E27FC236}">
+                  <a16:creationId xmlns:a16="http://schemas.microsoft.com/office/drawing/2014/main" id="{18867778-CF1C-4E91-A4B1-297C246063E2}"/>
+                </a:ext>
+              </a:extLst>
+            </p:cNvPr>
+            <p:cNvGrpSpPr/>
+            <p:nvPr/>
+          </p:nvGrpSpPr>
+          <p:grpSpPr>
+            <a:xfrm>
+              <a:off x="5511179" y="3607266"/>
+              <a:ext cx="4004651" cy="2979959"/>
+              <a:chOff x="1132514" y="3607266"/>
+              <a:chExt cx="4004651" cy="2979959"/>
+            </a:xfrm>
+          </p:grpSpPr>
+          <p:sp>
+            <p:nvSpPr>
+              <p:cNvPr id="113" name="Oval 112">
+                <a:extLst>
+                  <a:ext uri="{FF2B5EF4-FFF2-40B4-BE49-F238E27FC236}">
+                    <a16:creationId xmlns:a16="http://schemas.microsoft.com/office/drawing/2014/main" id="{F83D0522-D7ED-4E48-A571-532C6AAD0B30}"/>
+                  </a:ext>
+                </a:extLst>
+              </p:cNvPr>
+              <p:cNvSpPr/>
+              <p:nvPr/>
+            </p:nvSpPr>
+            <p:spPr>
+              <a:xfrm>
+                <a:off x="1191238" y="5083729"/>
+                <a:ext cx="486561" cy="486561"/>
+              </a:xfrm>
+              <a:prstGeom prst="ellipse">
+                <a:avLst/>
+              </a:prstGeom>
+            </p:spPr>
+            <p:style>
+              <a:lnRef idx="2">
+                <a:schemeClr val="accent1">
+                  <a:shade val="50000"/>
+                </a:schemeClr>
+              </a:lnRef>
+              <a:fillRef idx="1">
+                <a:schemeClr val="accent1"/>
+              </a:fillRef>
+              <a:effectRef idx="0">
+                <a:schemeClr val="accent1"/>
+              </a:effectRef>
+              <a:fontRef idx="minor">
+                <a:schemeClr val="lt1"/>
+              </a:fontRef>
+            </p:style>
+            <p:txBody>
+              <a:bodyPr rtlCol="0" anchor="ctr"/>
+              <a:lstStyle/>
+              <a:p>
+                <a:pPr algn="ctr"/>
+                <a:endParaRPr lang="en-GB"/>
+              </a:p>
+            </p:txBody>
+          </p:sp>
+          <p:sp>
+            <p:nvSpPr>
+              <p:cNvPr id="114" name="Oval 113">
+                <a:extLst>
+                  <a:ext uri="{FF2B5EF4-FFF2-40B4-BE49-F238E27FC236}">
+                    <a16:creationId xmlns:a16="http://schemas.microsoft.com/office/drawing/2014/main" id="{DCB8199F-EF6F-41E0-A314-CB2BE04407EC}"/>
+                  </a:ext>
+                </a:extLst>
+              </p:cNvPr>
+              <p:cNvSpPr/>
+              <p:nvPr/>
+            </p:nvSpPr>
+            <p:spPr>
+              <a:xfrm>
+                <a:off x="1909895" y="5075340"/>
+                <a:ext cx="486561" cy="486561"/>
+              </a:xfrm>
+              <a:prstGeom prst="ellipse">
+                <a:avLst/>
+              </a:prstGeom>
+            </p:spPr>
+            <p:style>
+              <a:lnRef idx="2">
+                <a:schemeClr val="accent1">
+                  <a:shade val="50000"/>
+                </a:schemeClr>
+              </a:lnRef>
+              <a:fillRef idx="1">
+                <a:schemeClr val="accent1"/>
+              </a:fillRef>
+              <a:effectRef idx="0">
+                <a:schemeClr val="accent1"/>
+              </a:effectRef>
+              <a:fontRef idx="minor">
+                <a:schemeClr val="lt1"/>
+              </a:fontRef>
+            </p:style>
+            <p:txBody>
+              <a:bodyPr rtlCol="0" anchor="ctr"/>
+              <a:lstStyle/>
+              <a:p>
+                <a:pPr algn="ctr"/>
+                <a:endParaRPr lang="en-GB"/>
+              </a:p>
+            </p:txBody>
+          </p:sp>
+          <p:sp>
+            <p:nvSpPr>
+              <p:cNvPr id="115" name="Oval 114">
+                <a:extLst>
+                  <a:ext uri="{FF2B5EF4-FFF2-40B4-BE49-F238E27FC236}">
+                    <a16:creationId xmlns:a16="http://schemas.microsoft.com/office/drawing/2014/main" id="{2155810E-45AA-4C5D-9D56-FD81249ED7A9}"/>
+                  </a:ext>
+                </a:extLst>
+              </p:cNvPr>
+              <p:cNvSpPr/>
+              <p:nvPr/>
+            </p:nvSpPr>
+            <p:spPr>
+              <a:xfrm>
+                <a:off x="2628552" y="5083729"/>
+                <a:ext cx="486561" cy="486561"/>
+              </a:xfrm>
+              <a:prstGeom prst="ellipse">
+                <a:avLst/>
+              </a:prstGeom>
+            </p:spPr>
+            <p:style>
+              <a:lnRef idx="2">
+                <a:schemeClr val="accent1">
+                  <a:shade val="50000"/>
+                </a:schemeClr>
+              </a:lnRef>
+              <a:fillRef idx="1">
+                <a:schemeClr val="accent1"/>
+              </a:fillRef>
+              <a:effectRef idx="0">
+                <a:schemeClr val="accent1"/>
+              </a:effectRef>
+              <a:fontRef idx="minor">
+                <a:schemeClr val="lt1"/>
+              </a:fontRef>
+            </p:style>
+            <p:txBody>
+              <a:bodyPr rtlCol="0" anchor="ctr"/>
+              <a:lstStyle/>
+              <a:p>
+                <a:pPr algn="ctr"/>
+                <a:endParaRPr lang="en-GB"/>
+              </a:p>
+            </p:txBody>
+          </p:sp>
+          <p:sp>
+            <p:nvSpPr>
+              <p:cNvPr id="116" name="Oval 115">
+                <a:extLst>
+                  <a:ext uri="{FF2B5EF4-FFF2-40B4-BE49-F238E27FC236}">
+                    <a16:creationId xmlns:a16="http://schemas.microsoft.com/office/drawing/2014/main" id="{A297BE69-EBC2-4B95-AF9F-4DA5AEB5FB47}"/>
+                  </a:ext>
+                </a:extLst>
+              </p:cNvPr>
+              <p:cNvSpPr/>
+              <p:nvPr/>
+            </p:nvSpPr>
+            <p:spPr>
+              <a:xfrm>
+                <a:off x="3383561" y="5083729"/>
+                <a:ext cx="486561" cy="486561"/>
+              </a:xfrm>
+              <a:prstGeom prst="ellipse">
+                <a:avLst/>
+              </a:prstGeom>
+            </p:spPr>
+            <p:style>
+              <a:lnRef idx="2">
+                <a:schemeClr val="accent1">
+                  <a:shade val="50000"/>
+                </a:schemeClr>
+              </a:lnRef>
+              <a:fillRef idx="1">
+                <a:schemeClr val="accent1"/>
+              </a:fillRef>
+              <a:effectRef idx="0">
+                <a:schemeClr val="accent1"/>
+              </a:effectRef>
+              <a:fontRef idx="minor">
+                <a:schemeClr val="lt1"/>
+              </a:fontRef>
+            </p:style>
+            <p:txBody>
+              <a:bodyPr rtlCol="0" anchor="ctr"/>
+              <a:lstStyle/>
+              <a:p>
+                <a:pPr algn="ctr"/>
+                <a:endParaRPr lang="en-GB"/>
+              </a:p>
+            </p:txBody>
+          </p:sp>
+          <p:sp>
+            <p:nvSpPr>
+              <p:cNvPr id="117" name="Oval 116">
+                <a:extLst>
+                  <a:ext uri="{FF2B5EF4-FFF2-40B4-BE49-F238E27FC236}">
+                    <a16:creationId xmlns:a16="http://schemas.microsoft.com/office/drawing/2014/main" id="{1B573AA9-196B-4B12-9685-7BE62F249991}"/>
+                  </a:ext>
+                </a:extLst>
+              </p:cNvPr>
+              <p:cNvSpPr/>
+              <p:nvPr/>
+            </p:nvSpPr>
+            <p:spPr>
+              <a:xfrm>
+                <a:off x="4132977" y="5083729"/>
+                <a:ext cx="486561" cy="486561"/>
+              </a:xfrm>
+              <a:prstGeom prst="ellipse">
+                <a:avLst/>
+              </a:prstGeom>
+            </p:spPr>
+            <p:style>
+              <a:lnRef idx="2">
+                <a:schemeClr val="accent1">
+                  <a:shade val="50000"/>
+                </a:schemeClr>
+              </a:lnRef>
+              <a:fillRef idx="1">
+                <a:schemeClr val="accent1"/>
+              </a:fillRef>
+              <a:effectRef idx="0">
+                <a:schemeClr val="accent1"/>
+              </a:effectRef>
+              <a:fontRef idx="minor">
+                <a:schemeClr val="lt1"/>
+              </a:fontRef>
+            </p:style>
+            <p:txBody>
+              <a:bodyPr rtlCol="0" anchor="ctr"/>
+              <a:lstStyle/>
+              <a:p>
+                <a:pPr algn="ctr"/>
+                <a:endParaRPr lang="en-GB"/>
+              </a:p>
+            </p:txBody>
+          </p:sp>
+          <p:sp>
+            <p:nvSpPr>
+              <p:cNvPr id="118" name="Rectangle 117">
+                <a:extLst>
+                  <a:ext uri="{FF2B5EF4-FFF2-40B4-BE49-F238E27FC236}">
+                    <a16:creationId xmlns:a16="http://schemas.microsoft.com/office/drawing/2014/main" id="{C5C0576C-2E04-46CD-9D64-377970C847BF}"/>
+                  </a:ext>
+                </a:extLst>
+              </p:cNvPr>
+              <p:cNvSpPr/>
+              <p:nvPr/>
+            </p:nvSpPr>
+            <p:spPr>
+              <a:xfrm>
+                <a:off x="2175547" y="3607266"/>
+                <a:ext cx="1208014" cy="778079"/>
+              </a:xfrm>
+              <a:prstGeom prst="rect">
+                <a:avLst/>
+              </a:prstGeom>
+            </p:spPr>
+            <p:style>
+              <a:lnRef idx="2">
+                <a:schemeClr val="accent1">
+                  <a:shade val="50000"/>
+                </a:schemeClr>
+              </a:lnRef>
+              <a:fillRef idx="1">
+                <a:schemeClr val="accent1"/>
+              </a:fillRef>
+              <a:effectRef idx="0">
+                <a:schemeClr val="accent1"/>
+              </a:effectRef>
+              <a:fontRef idx="minor">
+                <a:schemeClr val="lt1"/>
+              </a:fontRef>
+            </p:style>
+            <p:txBody>
+              <a:bodyPr rtlCol="0" anchor="ctr"/>
+              <a:lstStyle/>
+              <a:p>
+                <a:pPr algn="ctr"/>
+                <a:r>
+                  <a:rPr lang="en-GB" dirty="0"/>
+                  <a:t>LSTM Neuron</a:t>
+                </a:r>
+              </a:p>
+            </p:txBody>
+          </p:sp>
+          <p:cxnSp>
+            <p:nvCxnSpPr>
+              <p:cNvPr id="119" name="Straight Arrow Connector 118">
+                <a:extLst>
+                  <a:ext uri="{FF2B5EF4-FFF2-40B4-BE49-F238E27FC236}">
+                    <a16:creationId xmlns:a16="http://schemas.microsoft.com/office/drawing/2014/main" id="{A4DEF9BE-0E08-4F4A-AA93-DA4E88169E9C}"/>
+                  </a:ext>
+                </a:extLst>
+              </p:cNvPr>
+              <p:cNvCxnSpPr>
+                <a:cxnSpLocks/>
+              </p:cNvCxnSpPr>
+              <p:nvPr/>
+            </p:nvCxnSpPr>
+            <p:spPr>
+              <a:xfrm flipV="1">
+                <a:off x="1391874" y="4437777"/>
+                <a:ext cx="663430" cy="478171"/>
+              </a:xfrm>
+              <a:prstGeom prst="straightConnector1">
+                <a:avLst/>
+              </a:prstGeom>
+              <a:ln>
+                <a:tailEnd type="triangle"/>
+              </a:ln>
+            </p:spPr>
+            <p:style>
+              <a:lnRef idx="1">
+                <a:schemeClr val="accent1"/>
+              </a:lnRef>
+              <a:fillRef idx="0">
+                <a:schemeClr val="accent1"/>
+              </a:fillRef>
+              <a:effectRef idx="0">
+                <a:schemeClr val="accent1"/>
+              </a:effectRef>
+              <a:fontRef idx="minor">
+                <a:schemeClr val="tx1"/>
+              </a:fontRef>
+            </p:style>
+          </p:cxnSp>
+          <p:cxnSp>
+            <p:nvCxnSpPr>
+              <p:cNvPr id="120" name="Straight Arrow Connector 119">
+                <a:extLst>
+                  <a:ext uri="{FF2B5EF4-FFF2-40B4-BE49-F238E27FC236}">
+                    <a16:creationId xmlns:a16="http://schemas.microsoft.com/office/drawing/2014/main" id="{66296C34-352A-4517-B834-8F6FEF2B9E6A}"/>
+                  </a:ext>
+                </a:extLst>
+              </p:cNvPr>
+              <p:cNvCxnSpPr>
+                <a:cxnSpLocks/>
+              </p:cNvCxnSpPr>
+              <p:nvPr/>
+            </p:nvCxnSpPr>
+            <p:spPr>
+              <a:xfrm flipV="1">
+                <a:off x="2209102" y="4437776"/>
+                <a:ext cx="282429" cy="536896"/>
+              </a:xfrm>
+              <a:prstGeom prst="straightConnector1">
+                <a:avLst/>
+              </a:prstGeom>
+              <a:ln>
+                <a:tailEnd type="triangle"/>
+              </a:ln>
+            </p:spPr>
+            <p:style>
+              <a:lnRef idx="1">
+                <a:schemeClr val="accent1"/>
+              </a:lnRef>
+              <a:fillRef idx="0">
+                <a:schemeClr val="accent1"/>
+              </a:fillRef>
+              <a:effectRef idx="0">
+                <a:schemeClr val="accent1"/>
+              </a:effectRef>
+              <a:fontRef idx="minor">
+                <a:schemeClr val="tx1"/>
+              </a:fontRef>
+            </p:style>
+          </p:cxnSp>
+          <p:cxnSp>
+            <p:nvCxnSpPr>
+              <p:cNvPr id="121" name="Straight Arrow Connector 120">
+                <a:extLst>
+                  <a:ext uri="{FF2B5EF4-FFF2-40B4-BE49-F238E27FC236}">
+                    <a16:creationId xmlns:a16="http://schemas.microsoft.com/office/drawing/2014/main" id="{EB6FD439-B3B1-43D1-B95A-1D3FD09290AF}"/>
+                  </a:ext>
+                </a:extLst>
+              </p:cNvPr>
+              <p:cNvCxnSpPr>
+                <a:cxnSpLocks/>
+              </p:cNvCxnSpPr>
+              <p:nvPr/>
+            </p:nvCxnSpPr>
+            <p:spPr>
+              <a:xfrm flipV="1">
+                <a:off x="2832684" y="4461894"/>
+                <a:ext cx="39148" cy="588279"/>
+              </a:xfrm>
+              <a:prstGeom prst="straightConnector1">
+                <a:avLst/>
+              </a:prstGeom>
+              <a:ln>
+                <a:tailEnd type="triangle"/>
+              </a:ln>
+            </p:spPr>
+            <p:style>
+              <a:lnRef idx="1">
+                <a:schemeClr val="accent1"/>
+              </a:lnRef>
+              <a:fillRef idx="0">
+                <a:schemeClr val="accent1"/>
+              </a:fillRef>
+              <a:effectRef idx="0">
+                <a:schemeClr val="accent1"/>
+              </a:effectRef>
+              <a:fontRef idx="minor">
+                <a:schemeClr val="tx1"/>
+              </a:fontRef>
+            </p:style>
+          </p:cxnSp>
+          <p:cxnSp>
+            <p:nvCxnSpPr>
+              <p:cNvPr id="122" name="Straight Arrow Connector 121">
+                <a:extLst>
+                  <a:ext uri="{FF2B5EF4-FFF2-40B4-BE49-F238E27FC236}">
+                    <a16:creationId xmlns:a16="http://schemas.microsoft.com/office/drawing/2014/main" id="{DBBBBD42-640A-4E27-9D60-31B92CDBD331}"/>
+                  </a:ext>
+                </a:extLst>
+              </p:cNvPr>
+              <p:cNvCxnSpPr>
+                <a:cxnSpLocks/>
+              </p:cNvCxnSpPr>
+              <p:nvPr/>
+            </p:nvCxnSpPr>
+            <p:spPr>
+              <a:xfrm flipH="1" flipV="1">
+                <a:off x="3383561" y="4437776"/>
+                <a:ext cx="243280" cy="612397"/>
+              </a:xfrm>
+              <a:prstGeom prst="straightConnector1">
+                <a:avLst/>
+              </a:prstGeom>
+              <a:ln>
+                <a:tailEnd type="triangle"/>
+              </a:ln>
+            </p:spPr>
+            <p:style>
+              <a:lnRef idx="1">
+                <a:schemeClr val="accent1"/>
+              </a:lnRef>
+              <a:fillRef idx="0">
+                <a:schemeClr val="accent1"/>
+              </a:fillRef>
+              <a:effectRef idx="0">
+                <a:schemeClr val="accent1"/>
+              </a:effectRef>
+              <a:fontRef idx="minor">
+                <a:schemeClr val="tx1"/>
+              </a:fontRef>
+            </p:style>
+          </p:cxnSp>
+          <p:cxnSp>
+            <p:nvCxnSpPr>
+              <p:cNvPr id="123" name="Straight Arrow Connector 122">
+                <a:extLst>
+                  <a:ext uri="{FF2B5EF4-FFF2-40B4-BE49-F238E27FC236}">
+                    <a16:creationId xmlns:a16="http://schemas.microsoft.com/office/drawing/2014/main" id="{8163FDEE-794C-4872-8667-AD976B5FEB81}"/>
+                  </a:ext>
+                </a:extLst>
+              </p:cNvPr>
+              <p:cNvCxnSpPr>
+                <a:cxnSpLocks/>
+              </p:cNvCxnSpPr>
+              <p:nvPr/>
+            </p:nvCxnSpPr>
+            <p:spPr>
+              <a:xfrm flipH="1" flipV="1">
+                <a:off x="3505201" y="4320330"/>
+                <a:ext cx="871056" cy="692093"/>
+              </a:xfrm>
+              <a:prstGeom prst="straightConnector1">
+                <a:avLst/>
+              </a:prstGeom>
+              <a:ln>
+                <a:tailEnd type="triangle"/>
+              </a:ln>
+            </p:spPr>
+            <p:style>
+              <a:lnRef idx="1">
+                <a:schemeClr val="accent1"/>
+              </a:lnRef>
+              <a:fillRef idx="0">
+                <a:schemeClr val="accent1"/>
+              </a:fillRef>
+              <a:effectRef idx="0">
+                <a:schemeClr val="accent1"/>
+              </a:effectRef>
+              <a:fontRef idx="minor">
+                <a:schemeClr val="tx1"/>
+              </a:fontRef>
+            </p:style>
+          </p:cxnSp>
+          <p:sp>
+            <p:nvSpPr>
+              <p:cNvPr id="124" name="TextBox 123">
+                <a:extLst>
+                  <a:ext uri="{FF2B5EF4-FFF2-40B4-BE49-F238E27FC236}">
+                    <a16:creationId xmlns:a16="http://schemas.microsoft.com/office/drawing/2014/main" id="{017A512E-008F-4C19-8F60-77919BB368B2}"/>
+                  </a:ext>
+                </a:extLst>
+              </p:cNvPr>
+              <p:cNvSpPr txBox="1"/>
+              <p:nvPr/>
+            </p:nvSpPr>
+            <p:spPr>
+              <a:xfrm>
+                <a:off x="1255303" y="5727367"/>
+                <a:ext cx="288862" cy="261610"/>
+              </a:xfrm>
+              <a:prstGeom prst="rect">
+                <a:avLst/>
+              </a:prstGeom>
+              <a:noFill/>
+            </p:spPr>
+            <p:txBody>
+              <a:bodyPr wrap="none" rtlCol="0">
+                <a:spAutoFit/>
+              </a:bodyPr>
+              <a:lstStyle/>
+              <a:p>
+                <a:r>
+                  <a:rPr lang="en-GB" sz="1100" dirty="0"/>
+                  <a:t>IT</a:t>
+                </a:r>
+              </a:p>
+            </p:txBody>
+          </p:sp>
+          <p:sp>
+            <p:nvSpPr>
+              <p:cNvPr id="125" name="TextBox 124">
+                <a:extLst>
+                  <a:ext uri="{FF2B5EF4-FFF2-40B4-BE49-F238E27FC236}">
+                    <a16:creationId xmlns:a16="http://schemas.microsoft.com/office/drawing/2014/main" id="{9FFD5D58-62AA-4DA0-B592-2D6CF71435EB}"/>
+                  </a:ext>
+                </a:extLst>
+              </p:cNvPr>
+              <p:cNvSpPr txBox="1"/>
+              <p:nvPr/>
+            </p:nvSpPr>
+            <p:spPr>
+              <a:xfrm>
+                <a:off x="1956621" y="5715001"/>
+                <a:ext cx="346570" cy="261610"/>
+              </a:xfrm>
+              <a:prstGeom prst="rect">
+                <a:avLst/>
+              </a:prstGeom>
+              <a:noFill/>
+            </p:spPr>
+            <p:txBody>
+              <a:bodyPr wrap="none" rtlCol="0">
+                <a:spAutoFit/>
+              </a:bodyPr>
+              <a:lstStyle/>
+              <a:p>
+                <a:r>
+                  <a:rPr lang="en-GB" sz="1100" dirty="0"/>
+                  <a:t>OT</a:t>
+                </a:r>
+              </a:p>
+            </p:txBody>
+          </p:sp>
+          <p:sp>
+            <p:nvSpPr>
+              <p:cNvPr id="126" name="TextBox 125">
+                <a:extLst>
+                  <a:ext uri="{FF2B5EF4-FFF2-40B4-BE49-F238E27FC236}">
+                    <a16:creationId xmlns:a16="http://schemas.microsoft.com/office/drawing/2014/main" id="{31C6C51E-34E1-405C-95BE-F39BA089697C}"/>
+                  </a:ext>
+                </a:extLst>
+              </p:cNvPr>
+              <p:cNvSpPr txBox="1"/>
+              <p:nvPr/>
+            </p:nvSpPr>
+            <p:spPr>
+              <a:xfrm>
+                <a:off x="2484672" y="5721076"/>
+                <a:ext cx="696024" cy="261610"/>
+              </a:xfrm>
+              <a:prstGeom prst="rect">
+                <a:avLst/>
+              </a:prstGeom>
+              <a:noFill/>
+            </p:spPr>
+            <p:txBody>
+              <a:bodyPr wrap="none" rtlCol="0">
+                <a:spAutoFit/>
+              </a:bodyPr>
+              <a:lstStyle/>
+              <a:p>
+                <a:r>
+                  <a:rPr lang="en-GB" sz="1100" dirty="0"/>
+                  <a:t>Set Point</a:t>
+                </a:r>
+              </a:p>
+            </p:txBody>
+          </p:sp>
+          <p:sp>
+            <p:nvSpPr>
+              <p:cNvPr id="127" name="TextBox 126">
+                <a:extLst>
+                  <a:ext uri="{FF2B5EF4-FFF2-40B4-BE49-F238E27FC236}">
+                    <a16:creationId xmlns:a16="http://schemas.microsoft.com/office/drawing/2014/main" id="{38AD94EF-91C9-4C34-BCD4-039FD3FF5548}"/>
+                  </a:ext>
+                </a:extLst>
+              </p:cNvPr>
+              <p:cNvSpPr txBox="1"/>
+              <p:nvPr/>
+            </p:nvSpPr>
+            <p:spPr>
+              <a:xfrm>
+                <a:off x="3243698" y="5677250"/>
+                <a:ext cx="1893467" cy="430887"/>
+              </a:xfrm>
+              <a:prstGeom prst="rect">
+                <a:avLst/>
+              </a:prstGeom>
+              <a:noFill/>
+            </p:spPr>
+            <p:txBody>
+              <a:bodyPr wrap="none" rtlCol="0">
+                <a:spAutoFit/>
+              </a:bodyPr>
+              <a:lstStyle/>
+              <a:p>
+                <a:r>
+                  <a:rPr lang="en-GB" sz="1100" dirty="0"/>
+                  <a:t>One hot encoding for ON/OFF</a:t>
+                </a:r>
+              </a:p>
+              <a:p>
+                <a:r>
+                  <a:rPr lang="en-GB" sz="1100" dirty="0"/>
+                  <a:t>[0,1] for ON, [1,0] for OFF</a:t>
+                </a:r>
+              </a:p>
+            </p:txBody>
+          </p:sp>
+          <p:sp>
+            <p:nvSpPr>
+              <p:cNvPr id="128" name="Rectangle 127">
+                <a:extLst>
+                  <a:ext uri="{FF2B5EF4-FFF2-40B4-BE49-F238E27FC236}">
+                    <a16:creationId xmlns:a16="http://schemas.microsoft.com/office/drawing/2014/main" id="{80A9F109-807A-4088-9910-36AECE88F4EE}"/>
+                  </a:ext>
+                </a:extLst>
+              </p:cNvPr>
+              <p:cNvSpPr/>
+              <p:nvPr/>
+            </p:nvSpPr>
+            <p:spPr>
+              <a:xfrm>
+                <a:off x="1132514" y="5715001"/>
+                <a:ext cx="4004651" cy="393136"/>
+              </a:xfrm>
+              <a:prstGeom prst="rect">
+                <a:avLst/>
+              </a:prstGeom>
+              <a:noFill/>
+            </p:spPr>
+            <p:style>
+              <a:lnRef idx="2">
+                <a:schemeClr val="accent1">
+                  <a:shade val="50000"/>
+                </a:schemeClr>
+              </a:lnRef>
+              <a:fillRef idx="1">
+                <a:schemeClr val="accent1"/>
+              </a:fillRef>
+              <a:effectRef idx="0">
+                <a:schemeClr val="accent1"/>
+              </a:effectRef>
+              <a:fontRef idx="minor">
+                <a:schemeClr val="lt1"/>
+              </a:fontRef>
+            </p:style>
+            <p:txBody>
+              <a:bodyPr rtlCol="0" anchor="ctr"/>
+              <a:lstStyle/>
+              <a:p>
+                <a:pPr algn="ctr"/>
+                <a:endParaRPr lang="en-GB"/>
+              </a:p>
+            </p:txBody>
+          </p:sp>
+          <p:sp>
+            <p:nvSpPr>
+              <p:cNvPr id="129" name="TextBox 128">
+                <a:extLst>
+                  <a:ext uri="{FF2B5EF4-FFF2-40B4-BE49-F238E27FC236}">
+                    <a16:creationId xmlns:a16="http://schemas.microsoft.com/office/drawing/2014/main" id="{CFA6D008-D527-4928-9913-A057B03E0CB1}"/>
+                  </a:ext>
+                </a:extLst>
+              </p:cNvPr>
+              <p:cNvSpPr txBox="1"/>
+              <p:nvPr/>
+            </p:nvSpPr>
+            <p:spPr>
+              <a:xfrm>
+                <a:off x="1188944" y="6156338"/>
+                <a:ext cx="3852337" cy="430887"/>
+              </a:xfrm>
+              <a:prstGeom prst="rect">
+                <a:avLst/>
+              </a:prstGeom>
+              <a:noFill/>
+            </p:spPr>
+            <p:txBody>
+              <a:bodyPr wrap="none" rtlCol="0">
+                <a:spAutoFit/>
+              </a:bodyPr>
+              <a:lstStyle/>
+              <a:p>
+                <a:pPr algn="ctr"/>
+                <a:r>
+                  <a:rPr lang="en-GB" sz="1100" dirty="0"/>
+                  <a:t>All values standardized to unit variance </a:t>
+                </a:r>
+                <a:r>
+                  <a:rPr lang="en-GB" sz="1100" dirty="0">
+                    <a:sym typeface="Wingdings" panose="05000000000000000000" pitchFamily="2" charset="2"/>
+                  </a:rPr>
+                  <a:t> (data-mean)/</a:t>
+                </a:r>
+                <a:r>
+                  <a:rPr lang="en-GB" sz="1100" dirty="0" err="1">
+                    <a:sym typeface="Wingdings" panose="05000000000000000000" pitchFamily="2" charset="2"/>
+                  </a:rPr>
+                  <a:t>data.std</a:t>
+                </a:r>
+                <a:endParaRPr lang="en-GB" sz="1100" dirty="0">
+                  <a:sym typeface="Wingdings" panose="05000000000000000000" pitchFamily="2" charset="2"/>
+                </a:endParaRPr>
+              </a:p>
+              <a:p>
+                <a:pPr algn="ctr"/>
+                <a:r>
+                  <a:rPr lang="en-GB" sz="1100" dirty="0">
+                    <a:sym typeface="Wingdings" panose="05000000000000000000" pitchFamily="2" charset="2"/>
+                  </a:rPr>
+                  <a:t>X (t-1)</a:t>
+                </a:r>
+              </a:p>
+            </p:txBody>
+          </p:sp>
+        </p:grpSp>
+        <p:sp>
+          <p:nvSpPr>
+            <p:cNvPr id="133" name="Rectangle 132">
+              <a:extLst>
+                <a:ext uri="{FF2B5EF4-FFF2-40B4-BE49-F238E27FC236}">
+                  <a16:creationId xmlns:a16="http://schemas.microsoft.com/office/drawing/2014/main" id="{9D145C23-67DA-4D2D-91CD-264940DC39E6}"/>
+                </a:ext>
+              </a:extLst>
+            </p:cNvPr>
+            <p:cNvSpPr/>
+            <p:nvPr/>
+          </p:nvSpPr>
+          <p:spPr>
+            <a:xfrm>
+              <a:off x="897622" y="3429000"/>
+              <a:ext cx="8774884" cy="3298971"/>
+            </a:xfrm>
+            <a:prstGeom prst="rect">
+              <a:avLst/>
+            </a:prstGeom>
+            <a:noFill/>
+          </p:spPr>
+          <p:style>
+            <a:lnRef idx="2">
+              <a:schemeClr val="accent1">
+                <a:shade val="50000"/>
+              </a:schemeClr>
+            </a:lnRef>
+            <a:fillRef idx="1">
+              <a:schemeClr val="accent1"/>
+            </a:fillRef>
+            <a:effectRef idx="0">
+              <a:schemeClr val="accent1"/>
+            </a:effectRef>
+            <a:fontRef idx="minor">
+              <a:schemeClr val="lt1"/>
+            </a:fontRef>
+          </p:style>
+          <p:txBody>
+            <a:bodyPr rtlCol="0" anchor="ctr"/>
+            <a:lstStyle/>
+            <a:p>
+              <a:pPr algn="ctr"/>
+              <a:endParaRPr lang="en-GB"/>
+            </a:p>
+          </p:txBody>
+        </p:sp>
+      </p:grpSp>
+      <p:sp>
+        <p:nvSpPr>
+          <p:cNvPr id="281" name="TextBox 280">
+            <a:extLst>
+              <a:ext uri="{FF2B5EF4-FFF2-40B4-BE49-F238E27FC236}">
+                <a16:creationId xmlns:a16="http://schemas.microsoft.com/office/drawing/2014/main" id="{72292548-CF2F-4A32-B81A-25DB1B720EC1}"/>
+              </a:ext>
+            </a:extLst>
+          </p:cNvPr>
+          <p:cNvSpPr txBox="1"/>
+          <p:nvPr/>
+        </p:nvSpPr>
+        <p:spPr>
+          <a:xfrm>
+            <a:off x="9992836" y="3057043"/>
+            <a:ext cx="343364" cy="369332"/>
+          </a:xfrm>
+          <a:prstGeom prst="rect">
+            <a:avLst/>
+          </a:prstGeom>
+          <a:noFill/>
+        </p:spPr>
+        <p:txBody>
+          <a:bodyPr wrap="none" rtlCol="0">
+            <a:spAutoFit/>
+          </a:bodyPr>
+          <a:lstStyle/>
+          <a:p>
+            <a:r>
+              <a:rPr lang="en-GB" dirty="0"/>
+              <a:t>…</a:t>
+            </a:r>
+          </a:p>
+        </p:txBody>
+      </p:sp>
+      <p:sp>
+        <p:nvSpPr>
+          <p:cNvPr id="282" name="TextBox 281">
+            <a:extLst>
+              <a:ext uri="{FF2B5EF4-FFF2-40B4-BE49-F238E27FC236}">
+                <a16:creationId xmlns:a16="http://schemas.microsoft.com/office/drawing/2014/main" id="{CEDA7892-24C8-4CCB-81C1-A5E7FF5925B0}"/>
+              </a:ext>
+            </a:extLst>
+          </p:cNvPr>
+          <p:cNvSpPr txBox="1"/>
+          <p:nvPr/>
+        </p:nvSpPr>
+        <p:spPr>
+          <a:xfrm>
+            <a:off x="10683692" y="3662469"/>
+            <a:ext cx="1108284" cy="769441"/>
+          </a:xfrm>
+          <a:prstGeom prst="rect">
+            <a:avLst/>
+          </a:prstGeom>
+          <a:noFill/>
+        </p:spPr>
+        <p:txBody>
+          <a:bodyPr wrap="square" rtlCol="0">
+            <a:spAutoFit/>
+          </a:bodyPr>
+          <a:lstStyle/>
+          <a:p>
+            <a:r>
+              <a:rPr lang="en-GB" sz="1100" dirty="0"/>
+              <a:t>X50 of such neurons in 1</a:t>
+            </a:r>
+            <a:r>
+              <a:rPr lang="en-GB" sz="1100" baseline="30000" dirty="0"/>
+              <a:t>st</a:t>
+            </a:r>
+            <a:r>
+              <a:rPr lang="en-GB" sz="1100" dirty="0"/>
+              <a:t> layer,</a:t>
+            </a:r>
+          </a:p>
+          <a:p>
+            <a:r>
+              <a:rPr lang="en-GB" sz="1100" dirty="0"/>
+              <a:t>20% dropout</a:t>
+            </a:r>
+          </a:p>
+        </p:txBody>
+      </p:sp>
+      <p:cxnSp>
+        <p:nvCxnSpPr>
+          <p:cNvPr id="287" name="Straight Arrow Connector 286">
+            <a:extLst>
+              <a:ext uri="{FF2B5EF4-FFF2-40B4-BE49-F238E27FC236}">
+                <a16:creationId xmlns:a16="http://schemas.microsoft.com/office/drawing/2014/main" id="{692D7DE4-8B61-4FEB-849A-9B98E8C277D0}"/>
+              </a:ext>
+            </a:extLst>
+          </p:cNvPr>
+          <p:cNvCxnSpPr>
+            <a:cxnSpLocks/>
+            <a:stCxn id="118" idx="0"/>
+          </p:cNvCxnSpPr>
+          <p:nvPr/>
+        </p:nvCxnSpPr>
+        <p:spPr>
+          <a:xfrm flipV="1">
+            <a:off x="7003056" y="2728209"/>
+            <a:ext cx="0" cy="777917"/>
+          </a:xfrm>
+          <a:prstGeom prst="straightConnector1">
+            <a:avLst/>
+          </a:prstGeom>
+          <a:ln>
+            <a:solidFill>
+              <a:schemeClr val="accent2"/>
+            </a:solidFill>
+            <a:tailEnd type="triangle"/>
+          </a:ln>
+        </p:spPr>
+        <p:style>
+          <a:lnRef idx="1">
+            <a:schemeClr val="accent1"/>
+          </a:lnRef>
+          <a:fillRef idx="0">
+            <a:schemeClr val="accent1"/>
+          </a:fillRef>
+          <a:effectRef idx="0">
+            <a:schemeClr val="accent1"/>
+          </a:effectRef>
+          <a:fontRef idx="minor">
+            <a:schemeClr val="tx1"/>
+          </a:fontRef>
+        </p:style>
+      </p:cxnSp>
+      <p:sp>
+        <p:nvSpPr>
+          <p:cNvPr id="290" name="TextBox 289">
+            <a:extLst>
+              <a:ext uri="{FF2B5EF4-FFF2-40B4-BE49-F238E27FC236}">
+                <a16:creationId xmlns:a16="http://schemas.microsoft.com/office/drawing/2014/main" id="{FD85427F-A6C9-435B-8C14-2BF78776464B}"/>
+              </a:ext>
+            </a:extLst>
+          </p:cNvPr>
+          <p:cNvSpPr txBox="1"/>
+          <p:nvPr/>
+        </p:nvSpPr>
+        <p:spPr>
+          <a:xfrm>
+            <a:off x="4015937" y="3399137"/>
+            <a:ext cx="2255105" cy="307777"/>
+          </a:xfrm>
+          <a:prstGeom prst="rect">
+            <a:avLst/>
+          </a:prstGeom>
+          <a:noFill/>
+        </p:spPr>
+        <p:txBody>
+          <a:bodyPr wrap="none" rtlCol="0">
+            <a:spAutoFit/>
+          </a:bodyPr>
+          <a:lstStyle/>
+          <a:p>
+            <a:r>
+              <a:rPr lang="en-GB" sz="1400" dirty="0"/>
+              <a:t>Unpacked LSTM for 1st layer</a:t>
+            </a:r>
+          </a:p>
+        </p:txBody>
+      </p:sp>
+      <p:sp>
+        <p:nvSpPr>
+          <p:cNvPr id="291" name="Rectangle 290">
+            <a:extLst>
+              <a:ext uri="{FF2B5EF4-FFF2-40B4-BE49-F238E27FC236}">
+                <a16:creationId xmlns:a16="http://schemas.microsoft.com/office/drawing/2014/main" id="{F983E846-2667-40FA-90AF-E69EFAA82332}"/>
+              </a:ext>
+            </a:extLst>
+          </p:cNvPr>
+          <p:cNvSpPr/>
+          <p:nvPr/>
+        </p:nvSpPr>
+        <p:spPr>
+          <a:xfrm>
+            <a:off x="7751267" y="1012006"/>
+            <a:ext cx="1174459" cy="827713"/>
+          </a:xfrm>
+          <a:prstGeom prst="rect">
+            <a:avLst/>
+          </a:prstGeom>
+          <a:solidFill>
+            <a:schemeClr val="accent3"/>
+          </a:solidFill>
+        </p:spPr>
+        <p:style>
+          <a:lnRef idx="2">
+            <a:schemeClr val="accent1">
+              <a:shade val="50000"/>
+            </a:schemeClr>
+          </a:lnRef>
+          <a:fillRef idx="1">
+            <a:schemeClr val="accent1"/>
+          </a:fillRef>
+          <a:effectRef idx="0">
+            <a:schemeClr val="accent1"/>
+          </a:effectRef>
+          <a:fontRef idx="minor">
+            <a:schemeClr val="lt1"/>
+          </a:fontRef>
+        </p:style>
+        <p:txBody>
+          <a:bodyPr rtlCol="0" anchor="ctr"/>
+          <a:lstStyle/>
+          <a:p>
+            <a:pPr algn="ctr"/>
+            <a:r>
+              <a:rPr lang="en-GB" dirty="0"/>
+              <a:t>LSTM</a:t>
+            </a:r>
+          </a:p>
+          <a:p>
+            <a:pPr algn="ctr"/>
+            <a:r>
+              <a:rPr lang="en-GB" dirty="0"/>
+              <a:t>Neuron</a:t>
+            </a:r>
+          </a:p>
+        </p:txBody>
+      </p:sp>
+      <p:cxnSp>
+        <p:nvCxnSpPr>
+          <p:cNvPr id="293" name="Straight Arrow Connector 292">
+            <a:extLst>
+              <a:ext uri="{FF2B5EF4-FFF2-40B4-BE49-F238E27FC236}">
+                <a16:creationId xmlns:a16="http://schemas.microsoft.com/office/drawing/2014/main" id="{160CDF49-6538-4A83-B08F-179BF43181FB}"/>
+              </a:ext>
+            </a:extLst>
+          </p:cNvPr>
+          <p:cNvCxnSpPr>
+            <a:cxnSpLocks/>
+          </p:cNvCxnSpPr>
+          <p:nvPr/>
+        </p:nvCxnSpPr>
+        <p:spPr>
+          <a:xfrm flipH="1" flipV="1">
+            <a:off x="7329312" y="2728209"/>
+            <a:ext cx="2445365" cy="708588"/>
+          </a:xfrm>
+          <a:prstGeom prst="straightConnector1">
+            <a:avLst/>
+          </a:prstGeom>
+          <a:ln>
+            <a:solidFill>
+              <a:schemeClr val="accent2"/>
+            </a:solidFill>
+            <a:tailEnd type="triangle"/>
+          </a:ln>
+        </p:spPr>
+        <p:style>
+          <a:lnRef idx="1">
+            <a:schemeClr val="accent1"/>
+          </a:lnRef>
+          <a:fillRef idx="0">
+            <a:schemeClr val="accent1"/>
+          </a:fillRef>
+          <a:effectRef idx="0">
+            <a:schemeClr val="accent1"/>
+          </a:effectRef>
+          <a:fontRef idx="minor">
+            <a:schemeClr val="tx1"/>
+          </a:fontRef>
+        </p:style>
+      </p:cxnSp>
+      <p:cxnSp>
+        <p:nvCxnSpPr>
+          <p:cNvPr id="294" name="Straight Arrow Connector 293">
+            <a:extLst>
+              <a:ext uri="{FF2B5EF4-FFF2-40B4-BE49-F238E27FC236}">
+                <a16:creationId xmlns:a16="http://schemas.microsoft.com/office/drawing/2014/main" id="{DF6C1A9E-D5D5-4141-AAD2-211A14E227D3}"/>
+              </a:ext>
+            </a:extLst>
+          </p:cNvPr>
+          <p:cNvCxnSpPr>
+            <a:cxnSpLocks/>
+          </p:cNvCxnSpPr>
+          <p:nvPr/>
+        </p:nvCxnSpPr>
+        <p:spPr>
+          <a:xfrm flipH="1" flipV="1">
+            <a:off x="7590317" y="2125560"/>
+            <a:ext cx="3262842" cy="126588"/>
+          </a:xfrm>
+          <a:prstGeom prst="straightConnector1">
+            <a:avLst/>
+          </a:prstGeom>
+          <a:ln>
+            <a:solidFill>
+              <a:schemeClr val="accent2"/>
+            </a:solidFill>
+            <a:tailEnd type="triangle"/>
+          </a:ln>
+        </p:spPr>
+        <p:style>
+          <a:lnRef idx="1">
+            <a:schemeClr val="accent1"/>
+          </a:lnRef>
+          <a:fillRef idx="0">
+            <a:schemeClr val="accent1"/>
+          </a:fillRef>
+          <a:effectRef idx="0">
+            <a:schemeClr val="accent1"/>
+          </a:effectRef>
+          <a:fontRef idx="minor">
+            <a:schemeClr val="tx1"/>
+          </a:fontRef>
+        </p:style>
+      </p:cxnSp>
+      <p:cxnSp>
+        <p:nvCxnSpPr>
+          <p:cNvPr id="299" name="Straight Arrow Connector 298">
+            <a:extLst>
+              <a:ext uri="{FF2B5EF4-FFF2-40B4-BE49-F238E27FC236}">
+                <a16:creationId xmlns:a16="http://schemas.microsoft.com/office/drawing/2014/main" id="{A0613AF8-6048-4578-A454-E3863325FBC0}"/>
+              </a:ext>
+            </a:extLst>
+          </p:cNvPr>
+          <p:cNvCxnSpPr>
+            <a:cxnSpLocks/>
+          </p:cNvCxnSpPr>
+          <p:nvPr/>
+        </p:nvCxnSpPr>
+        <p:spPr>
+          <a:xfrm flipV="1">
+            <a:off x="7189639" y="1876107"/>
+            <a:ext cx="942399" cy="1651882"/>
+          </a:xfrm>
+          <a:prstGeom prst="straightConnector1">
+            <a:avLst/>
+          </a:prstGeom>
+          <a:ln>
+            <a:solidFill>
+              <a:schemeClr val="bg2">
+                <a:lumMod val="50000"/>
+              </a:schemeClr>
+            </a:solidFill>
+            <a:tailEnd type="triangle"/>
+          </a:ln>
+        </p:spPr>
+        <p:style>
+          <a:lnRef idx="1">
+            <a:schemeClr val="accent1"/>
+          </a:lnRef>
+          <a:fillRef idx="0">
+            <a:schemeClr val="accent1"/>
+          </a:fillRef>
+          <a:effectRef idx="0">
+            <a:schemeClr val="accent1"/>
+          </a:effectRef>
+          <a:fontRef idx="minor">
+            <a:schemeClr val="tx1"/>
+          </a:fontRef>
+        </p:style>
+      </p:cxnSp>
+      <p:cxnSp>
+        <p:nvCxnSpPr>
+          <p:cNvPr id="301" name="Straight Arrow Connector 300">
+            <a:extLst>
+              <a:ext uri="{FF2B5EF4-FFF2-40B4-BE49-F238E27FC236}">
+                <a16:creationId xmlns:a16="http://schemas.microsoft.com/office/drawing/2014/main" id="{55BB0738-3623-436E-9193-229DA7D2ED4F}"/>
+              </a:ext>
+            </a:extLst>
+          </p:cNvPr>
+          <p:cNvCxnSpPr>
+            <a:cxnSpLocks/>
+          </p:cNvCxnSpPr>
+          <p:nvPr/>
+        </p:nvCxnSpPr>
+        <p:spPr>
+          <a:xfrm flipH="1" flipV="1">
+            <a:off x="8338496" y="1917750"/>
+            <a:ext cx="1489360" cy="1519047"/>
+          </a:xfrm>
+          <a:prstGeom prst="straightConnector1">
+            <a:avLst/>
+          </a:prstGeom>
+          <a:ln>
+            <a:solidFill>
+              <a:schemeClr val="bg2">
+                <a:lumMod val="50000"/>
+              </a:schemeClr>
+            </a:solidFill>
+            <a:tailEnd type="triangle"/>
+          </a:ln>
+        </p:spPr>
+        <p:style>
+          <a:lnRef idx="1">
+            <a:schemeClr val="accent1"/>
+          </a:lnRef>
+          <a:fillRef idx="0">
+            <a:schemeClr val="accent1"/>
+          </a:fillRef>
+          <a:effectRef idx="0">
+            <a:schemeClr val="accent1"/>
+          </a:effectRef>
+          <a:fontRef idx="minor">
+            <a:schemeClr val="tx1"/>
+          </a:fontRef>
+        </p:style>
+      </p:cxnSp>
+      <p:cxnSp>
+        <p:nvCxnSpPr>
+          <p:cNvPr id="303" name="Straight Arrow Connector 302">
+            <a:extLst>
+              <a:ext uri="{FF2B5EF4-FFF2-40B4-BE49-F238E27FC236}">
+                <a16:creationId xmlns:a16="http://schemas.microsoft.com/office/drawing/2014/main" id="{2D8ADDF0-2DBA-4BEC-9B26-6CEF006B06D0}"/>
+              </a:ext>
+            </a:extLst>
+          </p:cNvPr>
+          <p:cNvCxnSpPr>
+            <a:cxnSpLocks/>
+            <a:endCxn id="291" idx="3"/>
+          </p:cNvCxnSpPr>
+          <p:nvPr/>
+        </p:nvCxnSpPr>
+        <p:spPr>
+          <a:xfrm flipH="1" flipV="1">
+            <a:off x="8925726" y="1425863"/>
+            <a:ext cx="1856750" cy="820260"/>
+          </a:xfrm>
+          <a:prstGeom prst="straightConnector1">
+            <a:avLst/>
+          </a:prstGeom>
+          <a:ln>
+            <a:solidFill>
+              <a:schemeClr val="bg2">
+                <a:lumMod val="50000"/>
+              </a:schemeClr>
+            </a:solidFill>
+            <a:tailEnd type="triangle"/>
+          </a:ln>
+        </p:spPr>
+        <p:style>
+          <a:lnRef idx="1">
+            <a:schemeClr val="accent1"/>
+          </a:lnRef>
+          <a:fillRef idx="0">
+            <a:schemeClr val="accent1"/>
+          </a:fillRef>
+          <a:effectRef idx="0">
+            <a:schemeClr val="accent1"/>
+          </a:effectRef>
+          <a:fontRef idx="minor">
+            <a:schemeClr val="tx1"/>
+          </a:fontRef>
+        </p:style>
+      </p:cxnSp>
+      <p:sp>
+        <p:nvSpPr>
+          <p:cNvPr id="305" name="TextBox 304">
+            <a:extLst>
+              <a:ext uri="{FF2B5EF4-FFF2-40B4-BE49-F238E27FC236}">
+                <a16:creationId xmlns:a16="http://schemas.microsoft.com/office/drawing/2014/main" id="{5505C1AC-1EC6-475C-BAB1-43BF5726D730}"/>
+              </a:ext>
+            </a:extLst>
+          </p:cNvPr>
+          <p:cNvSpPr txBox="1"/>
+          <p:nvPr/>
+        </p:nvSpPr>
+        <p:spPr>
+          <a:xfrm>
+            <a:off x="7157630" y="1334275"/>
+            <a:ext cx="343364" cy="369332"/>
+          </a:xfrm>
+          <a:prstGeom prst="rect">
+            <a:avLst/>
+          </a:prstGeom>
+          <a:noFill/>
+        </p:spPr>
+        <p:txBody>
+          <a:bodyPr wrap="none" rtlCol="0">
+            <a:spAutoFit/>
+          </a:bodyPr>
+          <a:lstStyle/>
+          <a:p>
+            <a:r>
+              <a:rPr lang="en-GB" dirty="0"/>
+              <a:t>…</a:t>
+            </a:r>
+          </a:p>
+        </p:txBody>
+      </p:sp>
+      <p:sp>
+        <p:nvSpPr>
+          <p:cNvPr id="306" name="TextBox 305">
+            <a:extLst>
+              <a:ext uri="{FF2B5EF4-FFF2-40B4-BE49-F238E27FC236}">
+                <a16:creationId xmlns:a16="http://schemas.microsoft.com/office/drawing/2014/main" id="{550A21EB-1CAB-488D-82B5-EE1853CC4417}"/>
+              </a:ext>
+            </a:extLst>
+          </p:cNvPr>
+          <p:cNvSpPr txBox="1"/>
+          <p:nvPr/>
+        </p:nvSpPr>
+        <p:spPr>
+          <a:xfrm>
+            <a:off x="9431344" y="1079069"/>
+            <a:ext cx="1790889" cy="430887"/>
+          </a:xfrm>
+          <a:prstGeom prst="rect">
+            <a:avLst/>
+          </a:prstGeom>
+          <a:noFill/>
+        </p:spPr>
+        <p:txBody>
+          <a:bodyPr wrap="square" rtlCol="0">
+            <a:spAutoFit/>
+          </a:bodyPr>
+          <a:lstStyle/>
+          <a:p>
+            <a:r>
+              <a:rPr lang="en-GB" sz="1100" dirty="0"/>
+              <a:t>X100 of such neurons in 2</a:t>
+            </a:r>
+            <a:r>
+              <a:rPr lang="en-GB" sz="1100" baseline="30000" dirty="0"/>
+              <a:t>nd</a:t>
+            </a:r>
+            <a:r>
+              <a:rPr lang="en-GB" sz="1100" dirty="0"/>
+              <a:t>  layer, 20% dropout</a:t>
+            </a:r>
+          </a:p>
+        </p:txBody>
+      </p:sp>
+      <p:cxnSp>
+        <p:nvCxnSpPr>
+          <p:cNvPr id="308" name="Straight Arrow Connector 307">
+            <a:extLst>
+              <a:ext uri="{FF2B5EF4-FFF2-40B4-BE49-F238E27FC236}">
+                <a16:creationId xmlns:a16="http://schemas.microsoft.com/office/drawing/2014/main" id="{B88F963D-FA94-4154-9E35-BBCEB558265B}"/>
+              </a:ext>
+            </a:extLst>
+          </p:cNvPr>
+          <p:cNvCxnSpPr>
+            <a:cxnSpLocks/>
+            <a:stCxn id="30" idx="1"/>
+          </p:cNvCxnSpPr>
+          <p:nvPr/>
+        </p:nvCxnSpPr>
+        <p:spPr>
+          <a:xfrm flipH="1">
+            <a:off x="5539305" y="2289964"/>
+            <a:ext cx="832115" cy="0"/>
+          </a:xfrm>
+          <a:prstGeom prst="straightConnector1">
+            <a:avLst/>
+          </a:prstGeom>
+          <a:ln>
+            <a:solidFill>
+              <a:schemeClr val="accent4"/>
+            </a:solidFill>
+            <a:tailEnd type="triangle"/>
+          </a:ln>
+        </p:spPr>
+        <p:style>
+          <a:lnRef idx="1">
+            <a:schemeClr val="accent1"/>
+          </a:lnRef>
+          <a:fillRef idx="0">
+            <a:schemeClr val="accent1"/>
+          </a:fillRef>
+          <a:effectRef idx="0">
+            <a:schemeClr val="accent1"/>
+          </a:effectRef>
+          <a:fontRef idx="minor">
+            <a:schemeClr val="tx1"/>
+          </a:fontRef>
+        </p:style>
+      </p:cxnSp>
+      <p:sp>
+        <p:nvSpPr>
+          <p:cNvPr id="309" name="Rectangle 308">
+            <a:extLst>
+              <a:ext uri="{FF2B5EF4-FFF2-40B4-BE49-F238E27FC236}">
+                <a16:creationId xmlns:a16="http://schemas.microsoft.com/office/drawing/2014/main" id="{74221E15-B728-4B40-A83D-248E1AB2A5E7}"/>
+              </a:ext>
+            </a:extLst>
+          </p:cNvPr>
+          <p:cNvSpPr/>
+          <p:nvPr/>
+        </p:nvSpPr>
+        <p:spPr>
+          <a:xfrm>
+            <a:off x="4576873" y="1515571"/>
+            <a:ext cx="962432" cy="962432"/>
+          </a:xfrm>
+          <a:prstGeom prst="rect">
+            <a:avLst/>
+          </a:prstGeom>
+          <a:solidFill>
+            <a:schemeClr val="accent4"/>
+          </a:solidFill>
+        </p:spPr>
+        <p:style>
+          <a:lnRef idx="2">
+            <a:schemeClr val="accent1">
+              <a:shade val="50000"/>
+            </a:schemeClr>
+          </a:lnRef>
+          <a:fillRef idx="1">
+            <a:schemeClr val="accent1"/>
+          </a:fillRef>
+          <a:effectRef idx="0">
+            <a:schemeClr val="accent1"/>
+          </a:effectRef>
+          <a:fontRef idx="minor">
+            <a:schemeClr val="lt1"/>
+          </a:fontRef>
+        </p:style>
+        <p:txBody>
+          <a:bodyPr rtlCol="0" anchor="ctr"/>
+          <a:lstStyle/>
+          <a:p>
+            <a:pPr algn="ctr"/>
+            <a:r>
+              <a:rPr lang="en-GB" dirty="0"/>
+              <a:t>Linear </a:t>
+            </a:r>
+          </a:p>
+          <a:p>
+            <a:pPr algn="ctr"/>
+            <a:r>
+              <a:rPr lang="en-GB" dirty="0"/>
+              <a:t>Neuron</a:t>
+            </a:r>
+          </a:p>
+        </p:txBody>
+      </p:sp>
+      <p:cxnSp>
+        <p:nvCxnSpPr>
+          <p:cNvPr id="310" name="Straight Arrow Connector 309">
+            <a:extLst>
+              <a:ext uri="{FF2B5EF4-FFF2-40B4-BE49-F238E27FC236}">
+                <a16:creationId xmlns:a16="http://schemas.microsoft.com/office/drawing/2014/main" id="{500C5F59-6DCC-4B5A-88A1-BBE1007A76F4}"/>
+              </a:ext>
+            </a:extLst>
+          </p:cNvPr>
+          <p:cNvCxnSpPr>
+            <a:cxnSpLocks/>
+            <a:endCxn id="309" idx="3"/>
+          </p:cNvCxnSpPr>
+          <p:nvPr/>
+        </p:nvCxnSpPr>
+        <p:spPr>
+          <a:xfrm flipH="1">
+            <a:off x="5539305" y="1360338"/>
+            <a:ext cx="1961692" cy="636449"/>
+          </a:xfrm>
+          <a:prstGeom prst="straightConnector1">
+            <a:avLst/>
+          </a:prstGeom>
+          <a:ln>
+            <a:solidFill>
+              <a:schemeClr val="accent4"/>
+            </a:solidFill>
+            <a:tailEnd type="triangle"/>
+          </a:ln>
+        </p:spPr>
+        <p:style>
+          <a:lnRef idx="1">
+            <a:schemeClr val="accent1"/>
+          </a:lnRef>
+          <a:fillRef idx="0">
+            <a:schemeClr val="accent1"/>
+          </a:fillRef>
+          <a:effectRef idx="0">
+            <a:schemeClr val="accent1"/>
+          </a:effectRef>
+          <a:fontRef idx="minor">
+            <a:schemeClr val="tx1"/>
+          </a:fontRef>
+        </p:style>
+      </p:cxnSp>
+      <p:sp>
+        <p:nvSpPr>
+          <p:cNvPr id="314" name="TextBox 313">
+            <a:extLst>
+              <a:ext uri="{FF2B5EF4-FFF2-40B4-BE49-F238E27FC236}">
+                <a16:creationId xmlns:a16="http://schemas.microsoft.com/office/drawing/2014/main" id="{7A59B4C5-0C1D-41C9-ACA6-8531A09AA0E0}"/>
+              </a:ext>
+            </a:extLst>
+          </p:cNvPr>
+          <p:cNvSpPr txBox="1"/>
+          <p:nvPr/>
+        </p:nvSpPr>
+        <p:spPr>
+          <a:xfrm>
+            <a:off x="4296181" y="801634"/>
+            <a:ext cx="1790889" cy="600164"/>
+          </a:xfrm>
+          <a:prstGeom prst="rect">
+            <a:avLst/>
+          </a:prstGeom>
+          <a:noFill/>
+        </p:spPr>
+        <p:txBody>
+          <a:bodyPr wrap="square" rtlCol="0">
+            <a:spAutoFit/>
+          </a:bodyPr>
+          <a:lstStyle/>
+          <a:p>
+            <a:r>
+              <a:rPr lang="en-GB" sz="1100" dirty="0"/>
+              <a:t>Single neuron with </a:t>
+            </a:r>
+          </a:p>
+          <a:p>
+            <a:r>
+              <a:rPr lang="en-GB" sz="1100" dirty="0"/>
+              <a:t>Linear activation function in (3</a:t>
+            </a:r>
+            <a:r>
+              <a:rPr lang="en-GB" sz="1100" baseline="30000" dirty="0"/>
+              <a:t>rd</a:t>
+            </a:r>
+            <a:r>
+              <a:rPr lang="en-GB" sz="1100" dirty="0"/>
+              <a:t>) final layer</a:t>
+            </a:r>
+          </a:p>
+        </p:txBody>
+      </p:sp>
+      <p:pic>
+        <p:nvPicPr>
+          <p:cNvPr id="316" name="Picture 315">
+            <a:extLst>
+              <a:ext uri="{FF2B5EF4-FFF2-40B4-BE49-F238E27FC236}">
+                <a16:creationId xmlns:a16="http://schemas.microsoft.com/office/drawing/2014/main" id="{772EBC60-5C88-43DD-B3B2-4469AB765390}"/>
+              </a:ext>
+            </a:extLst>
+          </p:cNvPr>
+          <p:cNvPicPr>
+            <a:picLocks noChangeAspect="1"/>
+          </p:cNvPicPr>
+          <p:nvPr/>
+        </p:nvPicPr>
+        <p:blipFill rotWithShape="1">
+          <a:blip r:embed="rId4"/>
+          <a:srcRect l="2306" t="52453" r="71613" b="30589"/>
+          <a:stretch/>
+        </p:blipFill>
+        <p:spPr>
+          <a:xfrm>
+            <a:off x="940847" y="1755579"/>
+            <a:ext cx="3558552" cy="1301464"/>
+          </a:xfrm>
+          <a:prstGeom prst="rect">
+            <a:avLst/>
+          </a:prstGeom>
+        </p:spPr>
+      </p:pic>
+      <p:cxnSp>
+        <p:nvCxnSpPr>
+          <p:cNvPr id="321" name="Connector: Elbow 320">
+            <a:extLst>
+              <a:ext uri="{FF2B5EF4-FFF2-40B4-BE49-F238E27FC236}">
+                <a16:creationId xmlns:a16="http://schemas.microsoft.com/office/drawing/2014/main" id="{AAAFC722-3AED-42C3-9A0F-B3CFB58865C2}"/>
+              </a:ext>
+            </a:extLst>
+          </p:cNvPr>
+          <p:cNvCxnSpPr>
+            <a:cxnSpLocks/>
+            <a:endCxn id="30" idx="3"/>
+          </p:cNvCxnSpPr>
+          <p:nvPr/>
+        </p:nvCxnSpPr>
+        <p:spPr>
+          <a:xfrm flipV="1">
+            <a:off x="5971661" y="2289964"/>
+            <a:ext cx="1574218" cy="10416"/>
+          </a:xfrm>
+          <a:prstGeom prst="bentConnector5">
+            <a:avLst>
+              <a:gd name="adj1" fmla="val 12697"/>
+              <a:gd name="adj2" fmla="val -6067972"/>
+              <a:gd name="adj3" fmla="val 114521"/>
+            </a:avLst>
+          </a:prstGeom>
+          <a:ln>
+            <a:solidFill>
+              <a:schemeClr val="accent2"/>
+            </a:solidFill>
+            <a:tailEnd type="triangle"/>
+          </a:ln>
+        </p:spPr>
+        <p:style>
+          <a:lnRef idx="1">
+            <a:schemeClr val="accent1"/>
+          </a:lnRef>
+          <a:fillRef idx="0">
+            <a:schemeClr val="accent1"/>
+          </a:fillRef>
+          <a:effectRef idx="0">
+            <a:schemeClr val="accent1"/>
+          </a:effectRef>
+          <a:fontRef idx="minor">
+            <a:schemeClr val="tx1"/>
+          </a:fontRef>
+        </p:style>
+      </p:cxnSp>
+      <p:cxnSp>
+        <p:nvCxnSpPr>
+          <p:cNvPr id="325" name="Connector: Elbow 324">
+            <a:extLst>
+              <a:ext uri="{FF2B5EF4-FFF2-40B4-BE49-F238E27FC236}">
+                <a16:creationId xmlns:a16="http://schemas.microsoft.com/office/drawing/2014/main" id="{131BE0F0-BC1C-41EB-8557-7A076022AC84}"/>
+              </a:ext>
+            </a:extLst>
+          </p:cNvPr>
+          <p:cNvCxnSpPr>
+            <a:cxnSpLocks/>
+            <a:endCxn id="291" idx="3"/>
+          </p:cNvCxnSpPr>
+          <p:nvPr/>
+        </p:nvCxnSpPr>
+        <p:spPr>
+          <a:xfrm>
+            <a:off x="7545101" y="1384206"/>
+            <a:ext cx="1380625" cy="41657"/>
+          </a:xfrm>
+          <a:prstGeom prst="bentConnector5">
+            <a:avLst>
+              <a:gd name="adj1" fmla="val 7466"/>
+              <a:gd name="adj2" fmla="val 1642252"/>
+              <a:gd name="adj3" fmla="val 116558"/>
+            </a:avLst>
+          </a:prstGeom>
+          <a:ln>
+            <a:solidFill>
+              <a:schemeClr val="bg2">
+                <a:lumMod val="50000"/>
+              </a:schemeClr>
+            </a:solidFill>
+            <a:tailEnd type="triangle"/>
+          </a:ln>
+        </p:spPr>
+        <p:style>
+          <a:lnRef idx="1">
+            <a:schemeClr val="accent1"/>
+          </a:lnRef>
+          <a:fillRef idx="0">
+            <a:schemeClr val="accent1"/>
+          </a:fillRef>
+          <a:effectRef idx="0">
+            <a:schemeClr val="accent1"/>
+          </a:effectRef>
+          <a:fontRef idx="minor">
+            <a:schemeClr val="tx1"/>
+          </a:fontRef>
+        </p:style>
+      </p:cxnSp>
+      <p:sp>
+        <p:nvSpPr>
+          <p:cNvPr id="328" name="TextBox 327">
+            <a:extLst>
+              <a:ext uri="{FF2B5EF4-FFF2-40B4-BE49-F238E27FC236}">
+                <a16:creationId xmlns:a16="http://schemas.microsoft.com/office/drawing/2014/main" id="{7ED45AED-7B02-478B-AA15-8FC5D2DEC123}"/>
+              </a:ext>
+            </a:extLst>
+          </p:cNvPr>
+          <p:cNvSpPr txBox="1"/>
+          <p:nvPr/>
+        </p:nvSpPr>
+        <p:spPr>
+          <a:xfrm>
+            <a:off x="9700690" y="5082439"/>
+            <a:ext cx="2091286" cy="1107996"/>
+          </a:xfrm>
+          <a:prstGeom prst="rect">
+            <a:avLst/>
+          </a:prstGeom>
+          <a:noFill/>
+        </p:spPr>
+        <p:txBody>
+          <a:bodyPr wrap="square" rtlCol="0">
+            <a:spAutoFit/>
+          </a:bodyPr>
+          <a:lstStyle/>
+          <a:p>
+            <a:r>
+              <a:rPr lang="en-GB" sz="1100" u="sng" dirty="0"/>
+              <a:t>The unpack of the 2</a:t>
+            </a:r>
+            <a:r>
+              <a:rPr lang="en-GB" sz="1100" u="sng" baseline="30000" dirty="0"/>
+              <a:t>nd</a:t>
+            </a:r>
+            <a:r>
+              <a:rPr lang="en-GB" sz="1100" u="sng" dirty="0"/>
+              <a:t> layer will be the same as that of the first layer, although with 50 inputs</a:t>
+            </a:r>
+          </a:p>
+          <a:p>
+            <a:endParaRPr lang="en-GB" sz="1100" u="sng" dirty="0"/>
+          </a:p>
+          <a:p>
+            <a:r>
+              <a:rPr lang="en-GB" sz="1100" u="sng" dirty="0"/>
+              <a:t>Inputs for multi-split bedrooms will increase</a:t>
+            </a:r>
+          </a:p>
+        </p:txBody>
+      </p:sp>
+      <p:cxnSp>
+        <p:nvCxnSpPr>
+          <p:cNvPr id="330" name="Straight Arrow Connector 329">
+            <a:extLst>
+              <a:ext uri="{FF2B5EF4-FFF2-40B4-BE49-F238E27FC236}">
+                <a16:creationId xmlns:a16="http://schemas.microsoft.com/office/drawing/2014/main" id="{807F1FAC-3745-43F9-824F-F615EC03B2A6}"/>
+              </a:ext>
+            </a:extLst>
+          </p:cNvPr>
+          <p:cNvCxnSpPr/>
+          <p:nvPr/>
+        </p:nvCxnSpPr>
+        <p:spPr>
+          <a:xfrm flipH="1">
+            <a:off x="3516699" y="1719873"/>
+            <a:ext cx="1005991" cy="0"/>
+          </a:xfrm>
+          <a:prstGeom prst="straightConnector1">
+            <a:avLst/>
+          </a:prstGeom>
+          <a:ln>
+            <a:solidFill>
+              <a:schemeClr val="tx1"/>
+            </a:solidFill>
+            <a:tailEnd type="triangle"/>
+          </a:ln>
+        </p:spPr>
+        <p:style>
+          <a:lnRef idx="1">
+            <a:schemeClr val="accent1"/>
+          </a:lnRef>
+          <a:fillRef idx="0">
+            <a:schemeClr val="accent1"/>
+          </a:fillRef>
+          <a:effectRef idx="0">
+            <a:schemeClr val="accent1"/>
+          </a:effectRef>
+          <a:fontRef idx="minor">
+            <a:schemeClr val="tx1"/>
+          </a:fontRef>
+        </p:style>
+      </p:cxnSp>
+      <p:sp>
+        <p:nvSpPr>
+          <p:cNvPr id="331" name="TextBox 330">
+            <a:extLst>
+              <a:ext uri="{FF2B5EF4-FFF2-40B4-BE49-F238E27FC236}">
+                <a16:creationId xmlns:a16="http://schemas.microsoft.com/office/drawing/2014/main" id="{05FA3647-E0BE-4F90-8B4D-5E0364179E72}"/>
+              </a:ext>
+            </a:extLst>
+          </p:cNvPr>
+          <p:cNvSpPr txBox="1"/>
+          <p:nvPr/>
+        </p:nvSpPr>
+        <p:spPr>
+          <a:xfrm>
+            <a:off x="3412119" y="1348275"/>
+            <a:ext cx="856325" cy="369332"/>
+          </a:xfrm>
+          <a:prstGeom prst="rect">
+            <a:avLst/>
+          </a:prstGeom>
+          <a:noFill/>
+        </p:spPr>
+        <p:txBody>
+          <a:bodyPr wrap="none" rtlCol="0">
+            <a:spAutoFit/>
+          </a:bodyPr>
+          <a:lstStyle/>
+          <a:p>
+            <a:r>
+              <a:rPr lang="en-GB" dirty="0"/>
+              <a:t>Output</a:t>
+            </a:r>
+          </a:p>
+        </p:txBody>
+      </p:sp>
+    </p:spTree>
+    <p:extLst>
+      <p:ext uri="{BB962C8B-B14F-4D97-AF65-F5344CB8AC3E}">
+        <p14:creationId xmlns:p14="http://schemas.microsoft.com/office/powerpoint/2010/main" val="3950957842"/>
+      </p:ext>
+    </p:extLst>
+  </p:cSld>
+  <p:clrMapOvr>
+    <a:masterClrMapping/>
+  </p:clrMapOvr>
+</p:sld>
+</file>
+
+<file path=ppt/slides/slide6.xml><?xml version="1.0" encoding="utf-8"?>
+<p:sld xmlns:a="http://schemas.openxmlformats.org/drawingml/2006/main" xmlns:r="http://schemas.openxmlformats.org/officeDocument/2006/relationships" xmlns:p="http://schemas.openxmlformats.org/presentationml/2006/main">
+  <p:cSld>
+    <p:spTree>
+      <p:nvGrpSpPr>
+        <p:cNvPr id="1" name=""/>
+        <p:cNvGrpSpPr/>
+        <p:nvPr/>
+      </p:nvGrpSpPr>
+      <p:grpSpPr>
+        <a:xfrm>
+          <a:off x="0" y="0"/>
+          <a:ext cx="0" cy="0"/>
+          <a:chOff x="0" y="0"/>
+          <a:chExt cx="0" cy="0"/>
+        </a:xfrm>
+      </p:grpSpPr>
+      <p:pic>
+        <p:nvPicPr>
+          <p:cNvPr id="14" name="Picture 13">
+            <a:extLst>
+              <a:ext uri="{FF2B5EF4-FFF2-40B4-BE49-F238E27FC236}">
+                <a16:creationId xmlns:a16="http://schemas.microsoft.com/office/drawing/2014/main" id="{A668AEF7-0AA0-49C0-A74D-B6CD7BB69821}"/>
+              </a:ext>
+            </a:extLst>
+          </p:cNvPr>
+          <p:cNvPicPr>
+            <a:picLocks noChangeAspect="1"/>
+          </p:cNvPicPr>
+          <p:nvPr/>
+        </p:nvPicPr>
+        <p:blipFill>
+          <a:blip r:embed="rId2"/>
+          <a:stretch>
+            <a:fillRect/>
+          </a:stretch>
+        </p:blipFill>
+        <p:spPr>
+          <a:xfrm>
+            <a:off x="933158" y="3972487"/>
+            <a:ext cx="5009837" cy="2494282"/>
+          </a:xfrm>
+          <a:prstGeom prst="rect">
+            <a:avLst/>
+          </a:prstGeom>
+        </p:spPr>
+      </p:pic>
+      <p:sp>
+        <p:nvSpPr>
+          <p:cNvPr id="2" name="Title 1">
+            <a:extLst>
+              <a:ext uri="{FF2B5EF4-FFF2-40B4-BE49-F238E27FC236}">
+                <a16:creationId xmlns:a16="http://schemas.microsoft.com/office/drawing/2014/main" id="{27796892-F46A-4AC8-97CA-E20158A1AC48}"/>
+              </a:ext>
+            </a:extLst>
+          </p:cNvPr>
+          <p:cNvSpPr>
+            <a:spLocks noGrp="1"/>
+          </p:cNvSpPr>
+          <p:nvPr>
+            <p:ph type="title"/>
+          </p:nvPr>
+        </p:nvSpPr>
+        <p:spPr/>
+        <p:txBody>
           <a:bodyPr/>
           <a:lstStyle/>
           <a:p>
+            <a:r>
+              <a:rPr lang="en-GB" dirty="0"/>
+              <a:t>Results for 0804 </a:t>
+            </a:r>
+            <a:r>
+              <a:rPr lang="en-GB" dirty="0" err="1"/>
+              <a:t>LVr</a:t>
+            </a:r>
             <a:endParaRPr lang="en-GB" dirty="0"/>
           </a:p>
         </p:txBody>
       </p:sp>
       <p:sp>
         <p:nvSpPr>
+          <p:cNvPr id="6" name="TextBox 5">
+            <a:extLst>
+              <a:ext uri="{FF2B5EF4-FFF2-40B4-BE49-F238E27FC236}">
+                <a16:creationId xmlns:a16="http://schemas.microsoft.com/office/drawing/2014/main" id="{722F8B8A-7C66-47A4-B10B-F6B9AA3C73F9}"/>
+              </a:ext>
+            </a:extLst>
+          </p:cNvPr>
+          <p:cNvSpPr txBox="1"/>
+          <p:nvPr/>
+        </p:nvSpPr>
+        <p:spPr>
+          <a:xfrm>
+            <a:off x="7172587" y="2030136"/>
+            <a:ext cx="4664279" cy="3970318"/>
+          </a:xfrm>
+          <a:prstGeom prst="rect">
+            <a:avLst/>
+          </a:prstGeom>
+          <a:noFill/>
+        </p:spPr>
+        <p:txBody>
+          <a:bodyPr wrap="square" rtlCol="0">
+            <a:spAutoFit/>
+          </a:bodyPr>
+          <a:lstStyle/>
+          <a:p>
+            <a:r>
+              <a:rPr lang="en-GB" sz="1400" dirty="0"/>
+              <a:t>Trained on </a:t>
+            </a:r>
+          </a:p>
+          <a:p>
+            <a:r>
+              <a:rPr lang="en-GB" sz="1400" dirty="0"/>
+              <a:t>X = [ IT, OT, Setpoint, [ON/OFF] ](t-1 to t-96)</a:t>
+            </a:r>
+          </a:p>
+          <a:p>
+            <a:r>
+              <a:rPr lang="en-GB" sz="1400" dirty="0"/>
+              <a:t>Y = Power (t)</a:t>
+            </a:r>
+          </a:p>
+          <a:p>
+            <a:endParaRPr lang="en-GB" sz="1400" dirty="0"/>
+          </a:p>
+          <a:p>
+            <a:r>
+              <a:rPr lang="en-GB" sz="1400" dirty="0"/>
+              <a:t>1 timestep</a:t>
+            </a:r>
+            <a:r>
+              <a:rPr lang="en-GB" sz="1400" dirty="0">
+                <a:sym typeface="Wingdings" panose="05000000000000000000" pitchFamily="2" charset="2"/>
+              </a:rPr>
+              <a:t> 10 min</a:t>
+            </a:r>
+            <a:endParaRPr lang="en-GB" sz="1400" dirty="0"/>
+          </a:p>
+          <a:p>
+            <a:endParaRPr lang="en-GB" sz="1400" dirty="0"/>
+          </a:p>
+          <a:p>
+            <a:r>
+              <a:rPr lang="en-GB" sz="1400" dirty="0"/>
+              <a:t>RMSE = 242.701055182</a:t>
+            </a:r>
+          </a:p>
+          <a:p>
+            <a:r>
+              <a:rPr lang="en-GB" sz="1400" dirty="0"/>
+              <a:t>MAPE = 3.38876438005</a:t>
+            </a:r>
+          </a:p>
+          <a:p>
+            <a:endParaRPr lang="en-GB" sz="1400" dirty="0"/>
+          </a:p>
+          <a:p>
+            <a:r>
+              <a:rPr lang="en-GB" sz="1400" dirty="0"/>
+              <a:t>Seems like the LSTM is able to capture the general trend but again is lagging</a:t>
+            </a:r>
+          </a:p>
+          <a:p>
+            <a:r>
+              <a:rPr lang="en-GB" sz="1400" dirty="0">
+                <a:sym typeface="Wingdings" panose="05000000000000000000" pitchFamily="2" charset="2"/>
+              </a:rPr>
+              <a:t>Need a room thermal model+ AC model+ Behaviour model</a:t>
+            </a:r>
+          </a:p>
+          <a:p>
+            <a:endParaRPr lang="en-GB" sz="1400" dirty="0">
+              <a:sym typeface="Wingdings" panose="05000000000000000000" pitchFamily="2" charset="2"/>
+            </a:endParaRPr>
+          </a:p>
+          <a:p>
+            <a:r>
+              <a:rPr lang="en-GB" sz="1400" dirty="0">
+                <a:sym typeface="Wingdings" panose="05000000000000000000" pitchFamily="2" charset="2"/>
+              </a:rPr>
+              <a:t>Sometimes LSTM outputs &lt;0 or fluctuates around the low values  gets penalized heavily by MAPE</a:t>
+            </a:r>
+          </a:p>
+          <a:p>
+            <a:endParaRPr lang="en-GB" sz="1400" dirty="0">
+              <a:sym typeface="Wingdings" panose="05000000000000000000" pitchFamily="2" charset="2"/>
+            </a:endParaRPr>
+          </a:p>
+          <a:p>
+            <a:r>
+              <a:rPr lang="en-GB" sz="1400" dirty="0">
+                <a:sym typeface="Wingdings" panose="05000000000000000000" pitchFamily="2" charset="2"/>
+              </a:rPr>
+              <a:t>If fluctuations are removed  predicted&lt;100=7</a:t>
+            </a:r>
+          </a:p>
+          <a:p>
+            <a:r>
+              <a:rPr lang="en-GB" sz="1400" dirty="0">
+                <a:sym typeface="Wingdings" panose="05000000000000000000" pitchFamily="2" charset="2"/>
+              </a:rPr>
+              <a:t>MAPE = 1.07269059803</a:t>
+            </a:r>
+            <a:endParaRPr lang="en-GB" sz="1400" dirty="0"/>
+          </a:p>
+        </p:txBody>
+      </p:sp>
+      <p:sp>
+        <p:nvSpPr>
+          <p:cNvPr id="10" name="TextBox 9">
+            <a:extLst>
+              <a:ext uri="{FF2B5EF4-FFF2-40B4-BE49-F238E27FC236}">
+                <a16:creationId xmlns:a16="http://schemas.microsoft.com/office/drawing/2014/main" id="{F18F818F-6801-4750-9CBC-3A81058161A1}"/>
+              </a:ext>
+            </a:extLst>
+          </p:cNvPr>
+          <p:cNvSpPr txBox="1"/>
+          <p:nvPr/>
+        </p:nvSpPr>
+        <p:spPr>
+          <a:xfrm>
+            <a:off x="2008704" y="4803986"/>
+            <a:ext cx="1247970" cy="523220"/>
+          </a:xfrm>
+          <a:prstGeom prst="rect">
+            <a:avLst/>
+          </a:prstGeom>
+          <a:noFill/>
+        </p:spPr>
+        <p:txBody>
+          <a:bodyPr wrap="none" rtlCol="0">
+            <a:spAutoFit/>
+          </a:bodyPr>
+          <a:lstStyle/>
+          <a:p>
+            <a:r>
+              <a:rPr lang="en-GB" sz="1400" dirty="0"/>
+              <a:t>Black actual</a:t>
+            </a:r>
+          </a:p>
+          <a:p>
+            <a:r>
+              <a:rPr lang="en-GB" sz="1400" dirty="0"/>
+              <a:t>Blue predicted</a:t>
+            </a:r>
+          </a:p>
+        </p:txBody>
+      </p:sp>
+      <p:pic>
+        <p:nvPicPr>
+          <p:cNvPr id="11" name="Picture 10">
+            <a:extLst>
+              <a:ext uri="{FF2B5EF4-FFF2-40B4-BE49-F238E27FC236}">
+                <a16:creationId xmlns:a16="http://schemas.microsoft.com/office/drawing/2014/main" id="{ECBB2243-00C8-4B45-9174-555D36FA3C5B}"/>
+              </a:ext>
+            </a:extLst>
+          </p:cNvPr>
+          <p:cNvPicPr>
+            <a:picLocks noChangeAspect="1"/>
+          </p:cNvPicPr>
+          <p:nvPr/>
+        </p:nvPicPr>
+        <p:blipFill>
+          <a:blip r:embed="rId3"/>
+          <a:stretch>
+            <a:fillRect/>
+          </a:stretch>
+        </p:blipFill>
+        <p:spPr>
+          <a:xfrm>
+            <a:off x="951473" y="1425719"/>
+            <a:ext cx="4991522" cy="2533575"/>
+          </a:xfrm>
+          <a:prstGeom prst="rect">
+            <a:avLst/>
+          </a:prstGeom>
+        </p:spPr>
+      </p:pic>
+      <p:sp>
+        <p:nvSpPr>
+          <p:cNvPr id="12" name="TextBox 11">
+            <a:extLst>
+              <a:ext uri="{FF2B5EF4-FFF2-40B4-BE49-F238E27FC236}">
+                <a16:creationId xmlns:a16="http://schemas.microsoft.com/office/drawing/2014/main" id="{96F1A0E5-3325-4E4C-8530-C2FC1A2F9886}"/>
+              </a:ext>
+            </a:extLst>
+          </p:cNvPr>
+          <p:cNvSpPr txBox="1"/>
+          <p:nvPr/>
+        </p:nvSpPr>
+        <p:spPr>
+          <a:xfrm>
+            <a:off x="2723606" y="1438912"/>
+            <a:ext cx="1447256" cy="307777"/>
+          </a:xfrm>
+          <a:prstGeom prst="rect">
+            <a:avLst/>
+          </a:prstGeom>
+          <a:noFill/>
+        </p:spPr>
+        <p:txBody>
+          <a:bodyPr wrap="none" rtlCol="0">
+            <a:spAutoFit/>
+          </a:bodyPr>
+          <a:lstStyle/>
+          <a:p>
+            <a:r>
+              <a:rPr lang="en-GB" sz="1400" dirty="0"/>
+              <a:t>Overall (1:10000)</a:t>
+            </a:r>
+          </a:p>
+        </p:txBody>
+      </p:sp>
+      <p:sp>
+        <p:nvSpPr>
+          <p:cNvPr id="13" name="TextBox 12">
+            <a:extLst>
+              <a:ext uri="{FF2B5EF4-FFF2-40B4-BE49-F238E27FC236}">
+                <a16:creationId xmlns:a16="http://schemas.microsoft.com/office/drawing/2014/main" id="{F5399E7E-372A-41F7-8697-D1752DD982B2}"/>
+              </a:ext>
+            </a:extLst>
+          </p:cNvPr>
+          <p:cNvSpPr txBox="1"/>
+          <p:nvPr/>
+        </p:nvSpPr>
+        <p:spPr>
+          <a:xfrm>
+            <a:off x="2632689" y="4066538"/>
+            <a:ext cx="1629998" cy="307777"/>
+          </a:xfrm>
+          <a:prstGeom prst="rect">
+            <a:avLst/>
+          </a:prstGeom>
+          <a:noFill/>
+        </p:spPr>
+        <p:txBody>
+          <a:bodyPr wrap="none" rtlCol="0">
+            <a:spAutoFit/>
+          </a:bodyPr>
+          <a:lstStyle/>
+          <a:p>
+            <a:r>
+              <a:rPr lang="en-GB" sz="1400" dirty="0"/>
+              <a:t>Overall (1350:1500)</a:t>
+            </a:r>
+          </a:p>
+        </p:txBody>
+      </p:sp>
+    </p:spTree>
+    <p:extLst>
+      <p:ext uri="{BB962C8B-B14F-4D97-AF65-F5344CB8AC3E}">
+        <p14:creationId xmlns:p14="http://schemas.microsoft.com/office/powerpoint/2010/main" val="3346620648"/>
+      </p:ext>
+    </p:extLst>
+  </p:cSld>
+  <p:clrMapOvr>
+    <a:masterClrMapping/>
+  </p:clrMapOvr>
+</p:sld>
+</file>
+
+<file path=ppt/slides/slide7.xml><?xml version="1.0" encoding="utf-8"?>
+<p:sld xmlns:a="http://schemas.openxmlformats.org/drawingml/2006/main" xmlns:r="http://schemas.openxmlformats.org/officeDocument/2006/relationships" xmlns:p="http://schemas.openxmlformats.org/presentationml/2006/main">
+  <p:cSld>
+    <p:spTree>
+      <p:nvGrpSpPr>
+        <p:cNvPr id="1" name=""/>
+        <p:cNvGrpSpPr/>
+        <p:nvPr/>
+      </p:nvGrpSpPr>
+      <p:grpSpPr>
+        <a:xfrm>
+          <a:off x="0" y="0"/>
+          <a:ext cx="0" cy="0"/>
+          <a:chOff x="0" y="0"/>
+          <a:chExt cx="0" cy="0"/>
+        </a:xfrm>
+      </p:grpSpPr>
+      <p:sp>
+        <p:nvSpPr>
+          <p:cNvPr id="2" name="Title 1">
+            <a:extLst>
+              <a:ext uri="{FF2B5EF4-FFF2-40B4-BE49-F238E27FC236}">
+                <a16:creationId xmlns:a16="http://schemas.microsoft.com/office/drawing/2014/main" id="{256915E1-E74F-4C2B-85A4-297F4C52AA20}"/>
+              </a:ext>
+            </a:extLst>
+          </p:cNvPr>
+          <p:cNvSpPr>
+            <a:spLocks noGrp="1"/>
+          </p:cNvSpPr>
+          <p:nvPr>
+            <p:ph type="title"/>
+          </p:nvPr>
+        </p:nvSpPr>
+        <p:spPr/>
+        <p:txBody>
+          <a:bodyPr/>
+          <a:lstStyle/>
+          <a:p>
+            <a:r>
+              <a:rPr lang="en-GB" dirty="0"/>
+              <a:t>Results for 0401 </a:t>
+            </a:r>
+            <a:r>
+              <a:rPr lang="en-GB" dirty="0" err="1"/>
+              <a:t>Bedr</a:t>
+            </a:r>
+            <a:endParaRPr lang="en-GB" dirty="0"/>
+          </a:p>
+        </p:txBody>
+      </p:sp>
+      <p:pic>
+        <p:nvPicPr>
+          <p:cNvPr id="4" name="Picture 3">
+            <a:extLst>
+              <a:ext uri="{FF2B5EF4-FFF2-40B4-BE49-F238E27FC236}">
+                <a16:creationId xmlns:a16="http://schemas.microsoft.com/office/drawing/2014/main" id="{06BBDB1B-63EC-4108-8738-A07C60F25E96}"/>
+              </a:ext>
+            </a:extLst>
+          </p:cNvPr>
+          <p:cNvPicPr>
+            <a:picLocks noChangeAspect="1"/>
+          </p:cNvPicPr>
+          <p:nvPr/>
+        </p:nvPicPr>
+        <p:blipFill>
+          <a:blip r:embed="rId2"/>
+          <a:stretch>
+            <a:fillRect/>
+          </a:stretch>
+        </p:blipFill>
+        <p:spPr>
+          <a:xfrm>
+            <a:off x="838200" y="1269141"/>
+            <a:ext cx="5034094" cy="2555184"/>
+          </a:xfrm>
+          <a:prstGeom prst="rect">
+            <a:avLst/>
+          </a:prstGeom>
+        </p:spPr>
+      </p:pic>
+      <p:pic>
+        <p:nvPicPr>
+          <p:cNvPr id="5" name="Picture 4">
+            <a:extLst>
+              <a:ext uri="{FF2B5EF4-FFF2-40B4-BE49-F238E27FC236}">
+                <a16:creationId xmlns:a16="http://schemas.microsoft.com/office/drawing/2014/main" id="{BCE582AB-872F-4DE4-92CD-D9F637345A38}"/>
+              </a:ext>
+            </a:extLst>
+          </p:cNvPr>
+          <p:cNvPicPr>
+            <a:picLocks noChangeAspect="1"/>
+          </p:cNvPicPr>
+          <p:nvPr/>
+        </p:nvPicPr>
+        <p:blipFill>
+          <a:blip r:embed="rId3"/>
+          <a:stretch>
+            <a:fillRect/>
+          </a:stretch>
+        </p:blipFill>
+        <p:spPr>
+          <a:xfrm>
+            <a:off x="758889" y="4018327"/>
+            <a:ext cx="5113405" cy="2545846"/>
+          </a:xfrm>
+          <a:prstGeom prst="rect">
+            <a:avLst/>
+          </a:prstGeom>
+        </p:spPr>
+      </p:pic>
+      <p:sp>
+        <p:nvSpPr>
+          <p:cNvPr id="6" name="TextBox 5">
+            <a:extLst>
+              <a:ext uri="{FF2B5EF4-FFF2-40B4-BE49-F238E27FC236}">
+                <a16:creationId xmlns:a16="http://schemas.microsoft.com/office/drawing/2014/main" id="{5983D3BA-8DED-4FDF-950A-6979007DF94E}"/>
+              </a:ext>
+            </a:extLst>
+          </p:cNvPr>
+          <p:cNvSpPr txBox="1"/>
+          <p:nvPr/>
+        </p:nvSpPr>
+        <p:spPr>
+          <a:xfrm>
+            <a:off x="4016286" y="1361470"/>
+            <a:ext cx="1061509" cy="430887"/>
+          </a:xfrm>
+          <a:prstGeom prst="rect">
+            <a:avLst/>
+          </a:prstGeom>
+          <a:noFill/>
+        </p:spPr>
+        <p:txBody>
+          <a:bodyPr wrap="none" rtlCol="0">
+            <a:spAutoFit/>
+          </a:bodyPr>
+          <a:lstStyle/>
+          <a:p>
+            <a:r>
+              <a:rPr lang="en-GB" sz="1100" dirty="0"/>
+              <a:t>Blue- Predicted</a:t>
+            </a:r>
+          </a:p>
+          <a:p>
+            <a:r>
+              <a:rPr lang="en-GB" sz="1100" dirty="0"/>
+              <a:t>Black- Actual</a:t>
+            </a:r>
+          </a:p>
+        </p:txBody>
+      </p:sp>
+      <p:sp>
+        <p:nvSpPr>
+          <p:cNvPr id="7" name="TextBox 6">
+            <a:extLst>
+              <a:ext uri="{FF2B5EF4-FFF2-40B4-BE49-F238E27FC236}">
+                <a16:creationId xmlns:a16="http://schemas.microsoft.com/office/drawing/2014/main" id="{759E1E16-BAA5-4FBD-B5C1-DBD4533FD0BD}"/>
+              </a:ext>
+            </a:extLst>
+          </p:cNvPr>
+          <p:cNvSpPr txBox="1"/>
+          <p:nvPr/>
+        </p:nvSpPr>
+        <p:spPr>
+          <a:xfrm>
+            <a:off x="2188619" y="1382749"/>
+            <a:ext cx="1779077" cy="307777"/>
+          </a:xfrm>
+          <a:prstGeom prst="rect">
+            <a:avLst/>
+          </a:prstGeom>
+          <a:noFill/>
+        </p:spPr>
+        <p:txBody>
+          <a:bodyPr wrap="none" rtlCol="0">
+            <a:spAutoFit/>
+          </a:bodyPr>
+          <a:lstStyle/>
+          <a:p>
+            <a:r>
+              <a:rPr lang="en-GB" sz="1400" u="sng" dirty="0"/>
+              <a:t>Overall plot (1:10000)</a:t>
+            </a:r>
+          </a:p>
+        </p:txBody>
+      </p:sp>
+      <p:sp>
+        <p:nvSpPr>
+          <p:cNvPr id="8" name="TextBox 7">
+            <a:extLst>
+              <a:ext uri="{FF2B5EF4-FFF2-40B4-BE49-F238E27FC236}">
+                <a16:creationId xmlns:a16="http://schemas.microsoft.com/office/drawing/2014/main" id="{6B3625C8-8F52-4D82-8BBC-7E3AEB5B6A73}"/>
+              </a:ext>
+            </a:extLst>
+          </p:cNvPr>
+          <p:cNvSpPr txBox="1"/>
+          <p:nvPr/>
+        </p:nvSpPr>
+        <p:spPr>
+          <a:xfrm>
+            <a:off x="2188619" y="4119996"/>
+            <a:ext cx="2041585" cy="307777"/>
+          </a:xfrm>
+          <a:prstGeom prst="rect">
+            <a:avLst/>
+          </a:prstGeom>
+          <a:noFill/>
+        </p:spPr>
+        <p:txBody>
+          <a:bodyPr wrap="none" rtlCol="0">
+            <a:spAutoFit/>
+          </a:bodyPr>
+          <a:lstStyle/>
+          <a:p>
+            <a:r>
+              <a:rPr lang="en-GB" sz="1400" u="sng" dirty="0"/>
+              <a:t>Zoomed plot (2000:2500)</a:t>
+            </a:r>
+          </a:p>
+        </p:txBody>
+      </p:sp>
+      <p:sp>
+        <p:nvSpPr>
+          <p:cNvPr id="11" name="TextBox 10">
+            <a:extLst>
+              <a:ext uri="{FF2B5EF4-FFF2-40B4-BE49-F238E27FC236}">
+                <a16:creationId xmlns:a16="http://schemas.microsoft.com/office/drawing/2014/main" id="{FB079DCB-4A9C-4F5B-B766-B0D8475579D8}"/>
+              </a:ext>
+            </a:extLst>
+          </p:cNvPr>
+          <p:cNvSpPr txBox="1"/>
+          <p:nvPr/>
+        </p:nvSpPr>
+        <p:spPr>
+          <a:xfrm>
+            <a:off x="6689521" y="1246189"/>
+            <a:ext cx="4664279" cy="4462760"/>
+          </a:xfrm>
+          <a:prstGeom prst="rect">
+            <a:avLst/>
+          </a:prstGeom>
+          <a:noFill/>
+        </p:spPr>
+        <p:txBody>
+          <a:bodyPr wrap="square" rtlCol="0">
+            <a:spAutoFit/>
+          </a:bodyPr>
+          <a:lstStyle/>
+          <a:p>
+            <a:r>
+              <a:rPr lang="en-GB" sz="1400" dirty="0"/>
+              <a:t>Trained on </a:t>
+            </a:r>
+          </a:p>
+          <a:p>
+            <a:r>
+              <a:rPr lang="en-GB" sz="1400" dirty="0"/>
+              <a:t>X = [ IT_B1, Setpoint_B1, </a:t>
+            </a:r>
+            <a:r>
+              <a:rPr lang="en-GB" sz="1400" dirty="0" err="1"/>
+              <a:t>IT_Mb</a:t>
+            </a:r>
+            <a:r>
+              <a:rPr lang="en-GB" sz="1400" dirty="0"/>
+              <a:t>, </a:t>
+            </a:r>
+            <a:r>
+              <a:rPr lang="en-GB" sz="1400" dirty="0" err="1"/>
+              <a:t>Setpoint_Mb</a:t>
+            </a:r>
+            <a:r>
+              <a:rPr lang="en-GB" sz="1400" dirty="0"/>
+              <a:t>, OT, </a:t>
+            </a:r>
+          </a:p>
+          <a:p>
+            <a:r>
+              <a:rPr lang="en-GB" sz="1400" dirty="0"/>
+              <a:t>[ON/OFF]_B1, [ON/OFF]_Mb ,[3 modes]_B1 ],[3 modes]_Mb(t-1 to t-96)</a:t>
+            </a:r>
+          </a:p>
+          <a:p>
+            <a:r>
+              <a:rPr lang="en-GB" sz="1400" dirty="0"/>
+              <a:t>Y = Power (t)</a:t>
+            </a:r>
+          </a:p>
+          <a:p>
+            <a:endParaRPr lang="en-GB" sz="1400" dirty="0"/>
+          </a:p>
+          <a:p>
+            <a:r>
+              <a:rPr lang="en-GB" sz="1400" dirty="0"/>
+              <a:t>1 timestep</a:t>
+            </a:r>
+            <a:r>
+              <a:rPr lang="en-GB" sz="1400" dirty="0">
+                <a:sym typeface="Wingdings" panose="05000000000000000000" pitchFamily="2" charset="2"/>
+              </a:rPr>
+              <a:t> 10 min</a:t>
+            </a:r>
+            <a:endParaRPr lang="en-GB" sz="1400" dirty="0"/>
+          </a:p>
+          <a:p>
+            <a:endParaRPr lang="en-GB" sz="1400" dirty="0"/>
+          </a:p>
+          <a:p>
+            <a:r>
+              <a:rPr lang="en-GB" sz="1400" dirty="0"/>
+              <a:t>RMSE = 101.864510656</a:t>
+            </a:r>
+          </a:p>
+          <a:p>
+            <a:r>
+              <a:rPr lang="en-GB" sz="1400" dirty="0"/>
+              <a:t>MAPE = 0.888225933294</a:t>
+            </a:r>
+          </a:p>
+          <a:p>
+            <a:endParaRPr lang="en-GB" sz="1400" dirty="0"/>
+          </a:p>
+          <a:p>
+            <a:r>
+              <a:rPr lang="en-GB" sz="1400" dirty="0"/>
+              <a:t>Still problem with lagging</a:t>
+            </a:r>
+          </a:p>
+          <a:p>
+            <a:r>
+              <a:rPr lang="en-GB" sz="1400" dirty="0">
+                <a:sym typeface="Wingdings" panose="05000000000000000000" pitchFamily="2" charset="2"/>
+              </a:rPr>
+              <a:t>Need a room thermal model+ AC model+ Behaviour model</a:t>
+            </a:r>
+          </a:p>
+          <a:p>
+            <a:endParaRPr lang="en-GB" sz="1400" dirty="0">
+              <a:sym typeface="Wingdings" panose="05000000000000000000" pitchFamily="2" charset="2"/>
+            </a:endParaRPr>
+          </a:p>
+          <a:p>
+            <a:r>
+              <a:rPr lang="en-GB" sz="1400" dirty="0">
+                <a:sym typeface="Wingdings" panose="05000000000000000000" pitchFamily="2" charset="2"/>
+              </a:rPr>
+              <a:t>Sometimes LSTM outputs &lt;0 or fluctuates around the low values  gets penalized heavily by MAPE</a:t>
+            </a:r>
+          </a:p>
+          <a:p>
+            <a:endParaRPr lang="en-GB" sz="1400" dirty="0">
+              <a:sym typeface="Wingdings" panose="05000000000000000000" pitchFamily="2" charset="2"/>
+            </a:endParaRPr>
+          </a:p>
+          <a:p>
+            <a:r>
+              <a:rPr lang="en-GB" sz="1400" dirty="0">
+                <a:sym typeface="Wingdings" panose="05000000000000000000" pitchFamily="2" charset="2"/>
+              </a:rPr>
+              <a:t>If fluctuations are removed  predicted&lt;100=7</a:t>
+            </a:r>
+          </a:p>
+          <a:p>
+            <a:r>
+              <a:rPr lang="en-GB" sz="1400" dirty="0">
+                <a:sym typeface="Wingdings" panose="05000000000000000000" pitchFamily="2" charset="2"/>
+              </a:rPr>
+              <a:t>MAPE = </a:t>
+            </a:r>
+            <a:r>
+              <a:rPr lang="en-GB" sz="1400" dirty="0"/>
+              <a:t>0.458638229327</a:t>
+            </a:r>
+          </a:p>
+          <a:p>
+            <a:endParaRPr lang="en-GB" sz="1400" dirty="0"/>
+          </a:p>
+        </p:txBody>
+      </p:sp>
+    </p:spTree>
+    <p:extLst>
+      <p:ext uri="{BB962C8B-B14F-4D97-AF65-F5344CB8AC3E}">
+        <p14:creationId xmlns:p14="http://schemas.microsoft.com/office/powerpoint/2010/main" val="2669699117"/>
+      </p:ext>
+    </p:extLst>
+  </p:cSld>
+  <p:clrMapOvr>
+    <a:masterClrMapping/>
+  </p:clrMapOvr>
+</p:sld>
+</file>
+
+<file path=ppt/slides/slide8.xml><?xml version="1.0" encoding="utf-8"?>
+<p:sld xmlns:a="http://schemas.openxmlformats.org/drawingml/2006/main" xmlns:r="http://schemas.openxmlformats.org/officeDocument/2006/relationships" xmlns:p="http://schemas.openxmlformats.org/presentationml/2006/main">
+  <p:cSld>
+    <p:spTree>
+      <p:nvGrpSpPr>
+        <p:cNvPr id="1" name=""/>
+        <p:cNvGrpSpPr/>
+        <p:nvPr/>
+      </p:nvGrpSpPr>
+      <p:grpSpPr>
+        <a:xfrm>
+          <a:off x="0" y="0"/>
+          <a:ext cx="0" cy="0"/>
+          <a:chOff x="0" y="0"/>
+          <a:chExt cx="0" cy="0"/>
+        </a:xfrm>
+      </p:grpSpPr>
+      <p:sp>
+        <p:nvSpPr>
+          <p:cNvPr id="2" name="Title 1">
+            <a:extLst>
+              <a:ext uri="{FF2B5EF4-FFF2-40B4-BE49-F238E27FC236}">
+                <a16:creationId xmlns:a16="http://schemas.microsoft.com/office/drawing/2014/main" id="{AB50C893-6E8D-4FC2-9C90-B5F22FF7A628}"/>
+              </a:ext>
+            </a:extLst>
+          </p:cNvPr>
+          <p:cNvSpPr>
+            <a:spLocks noGrp="1"/>
+          </p:cNvSpPr>
+          <p:nvPr>
+            <p:ph type="title"/>
+          </p:nvPr>
+        </p:nvSpPr>
+        <p:spPr/>
+        <p:txBody>
+          <a:bodyPr/>
+          <a:lstStyle/>
+          <a:p>
+            <a:r>
+              <a:rPr lang="en-GB" dirty="0"/>
+              <a:t>Future Directions</a:t>
+            </a:r>
+          </a:p>
+        </p:txBody>
+      </p:sp>
+      <p:sp>
+        <p:nvSpPr>
           <p:cNvPr id="3" name="Content Placeholder 2">
             <a:extLst>
               <a:ext uri="{FF2B5EF4-FFF2-40B4-BE49-F238E27FC236}">
-                <a16:creationId xmlns:a16="http://schemas.microsoft.com/office/drawing/2014/main" id="{5FE3C2F8-9694-4FB7-A96D-A6080365617A}"/>
+                <a16:creationId xmlns:a16="http://schemas.microsoft.com/office/drawing/2014/main" id="{40F1A53F-0614-4AD9-A716-9F3FAF9373F3}"/>
               </a:ext>
             </a:extLst>
           </p:cNvPr>
@@ -5594,14 +9339,49 @@
           <a:bodyPr/>
           <a:lstStyle/>
           <a:p>
-            <a:endParaRPr lang="en-GB"/>
+            <a:r>
+              <a:rPr lang="en-GB" dirty="0"/>
+              <a:t>LSTM training is quite fast ~10mins can shorten with tweaks to architecture</a:t>
+            </a:r>
+          </a:p>
+          <a:p>
+            <a:endParaRPr lang="en-GB" dirty="0"/>
+          </a:p>
+          <a:p>
+            <a:r>
+              <a:rPr lang="en-GB" dirty="0"/>
+              <a:t>Try to model room dynamics with RNN + AC model with RNN </a:t>
+            </a:r>
+          </a:p>
+          <a:p>
+            <a:pPr lvl="1"/>
+            <a:r>
+              <a:rPr lang="en-GB" dirty="0"/>
+              <a:t>Do stepwise calculations</a:t>
+            </a:r>
+          </a:p>
+          <a:p>
+            <a:pPr lvl="1"/>
+            <a:endParaRPr lang="en-GB" dirty="0"/>
+          </a:p>
+          <a:p>
+            <a:r>
+              <a:rPr lang="en-GB" dirty="0"/>
+              <a:t>Try out other probabilistic neural networks too</a:t>
+            </a:r>
+          </a:p>
+          <a:p>
+            <a:pPr marL="0" indent="0">
+              <a:buNone/>
+            </a:pPr>
+            <a:endParaRPr lang="en-GB" dirty="0"/>
           </a:p>
         </p:txBody>
       </p:sp>
     </p:spTree>
     <p:extLst>
       <p:ext uri="{BB962C8B-B14F-4D97-AF65-F5344CB8AC3E}">
-        <p14:creationId xmlns:p14="http://schemas.microsoft.com/office/powerpoint/2010/main" val="3346620648"/>
+        <p14:creationId xmlns:p14="http://schemas.microsoft.com/office/powerpoint/2010/main" val="1283219986"/>
       </p:ext>
     </p:extLst>
   </p:cSld>

--- a/10 mins Prediction on 2016ACdata using LSTM-RNN.pptx
+++ b/10 mins Prediction on 2016ACdata using LSTM-RNN.pptx
@@ -283,7 +283,7 @@
           <a:p>
             <a:fld id="{F6528EAA-1E08-4F0E-963E-48B5FE68D254}" type="datetimeFigureOut">
               <a:rPr lang="en-GB" smtClean="0"/>
-              <a:t>30/07/2017</a:t>
+              <a:t>31/07/2017</a:t>
             </a:fld>
             <a:endParaRPr lang="en-GB"/>
           </a:p>
@@ -483,7 +483,7 @@
           <a:p>
             <a:fld id="{F6528EAA-1E08-4F0E-963E-48B5FE68D254}" type="datetimeFigureOut">
               <a:rPr lang="en-GB" smtClean="0"/>
-              <a:t>30/07/2017</a:t>
+              <a:t>31/07/2017</a:t>
             </a:fld>
             <a:endParaRPr lang="en-GB"/>
           </a:p>
@@ -693,7 +693,7 @@
           <a:p>
             <a:fld id="{F6528EAA-1E08-4F0E-963E-48B5FE68D254}" type="datetimeFigureOut">
               <a:rPr lang="en-GB" smtClean="0"/>
-              <a:t>30/07/2017</a:t>
+              <a:t>31/07/2017</a:t>
             </a:fld>
             <a:endParaRPr lang="en-GB"/>
           </a:p>
@@ -893,7 +893,7 @@
           <a:p>
             <a:fld id="{F6528EAA-1E08-4F0E-963E-48B5FE68D254}" type="datetimeFigureOut">
               <a:rPr lang="en-GB" smtClean="0"/>
-              <a:t>30/07/2017</a:t>
+              <a:t>31/07/2017</a:t>
             </a:fld>
             <a:endParaRPr lang="en-GB"/>
           </a:p>
@@ -1169,7 +1169,7 @@
           <a:p>
             <a:fld id="{F6528EAA-1E08-4F0E-963E-48B5FE68D254}" type="datetimeFigureOut">
               <a:rPr lang="en-GB" smtClean="0"/>
-              <a:t>30/07/2017</a:t>
+              <a:t>31/07/2017</a:t>
             </a:fld>
             <a:endParaRPr lang="en-GB"/>
           </a:p>
@@ -1437,7 +1437,7 @@
           <a:p>
             <a:fld id="{F6528EAA-1E08-4F0E-963E-48B5FE68D254}" type="datetimeFigureOut">
               <a:rPr lang="en-GB" smtClean="0"/>
-              <a:t>30/07/2017</a:t>
+              <a:t>31/07/2017</a:t>
             </a:fld>
             <a:endParaRPr lang="en-GB"/>
           </a:p>
@@ -1852,7 +1852,7 @@
           <a:p>
             <a:fld id="{F6528EAA-1E08-4F0E-963E-48B5FE68D254}" type="datetimeFigureOut">
               <a:rPr lang="en-GB" smtClean="0"/>
-              <a:t>30/07/2017</a:t>
+              <a:t>31/07/2017</a:t>
             </a:fld>
             <a:endParaRPr lang="en-GB"/>
           </a:p>
@@ -1994,7 +1994,7 @@
           <a:p>
             <a:fld id="{F6528EAA-1E08-4F0E-963E-48B5FE68D254}" type="datetimeFigureOut">
               <a:rPr lang="en-GB" smtClean="0"/>
-              <a:t>30/07/2017</a:t>
+              <a:t>31/07/2017</a:t>
             </a:fld>
             <a:endParaRPr lang="en-GB"/>
           </a:p>
@@ -2107,7 +2107,7 @@
           <a:p>
             <a:fld id="{F6528EAA-1E08-4F0E-963E-48B5FE68D254}" type="datetimeFigureOut">
               <a:rPr lang="en-GB" smtClean="0"/>
-              <a:t>30/07/2017</a:t>
+              <a:t>31/07/2017</a:t>
             </a:fld>
             <a:endParaRPr lang="en-GB"/>
           </a:p>
@@ -2420,7 +2420,7 @@
           <a:p>
             <a:fld id="{F6528EAA-1E08-4F0E-963E-48B5FE68D254}" type="datetimeFigureOut">
               <a:rPr lang="en-GB" smtClean="0"/>
-              <a:t>30/07/2017</a:t>
+              <a:t>31/07/2017</a:t>
             </a:fld>
             <a:endParaRPr lang="en-GB"/>
           </a:p>
@@ -2709,7 +2709,7 @@
           <a:p>
             <a:fld id="{F6528EAA-1E08-4F0E-963E-48B5FE68D254}" type="datetimeFigureOut">
               <a:rPr lang="en-GB" smtClean="0"/>
-              <a:t>30/07/2017</a:t>
+              <a:t>31/07/2017</a:t>
             </a:fld>
             <a:endParaRPr lang="en-GB"/>
           </a:p>
@@ -2952,7 +2952,7 @@
           <a:p>
             <a:fld id="{F6528EAA-1E08-4F0E-963E-48B5FE68D254}" type="datetimeFigureOut">
               <a:rPr lang="en-GB" smtClean="0"/>
-              <a:t>30/07/2017</a:t>
+              <a:t>31/07/2017</a:t>
             </a:fld>
             <a:endParaRPr lang="en-GB"/>
           </a:p>
@@ -9362,6 +9362,17 @@
           </a:p>
           <a:p>
             <a:pPr lvl="1"/>
+            <a:r>
+              <a:rPr lang="en-GB" dirty="0"/>
+              <a:t>Point of using LSTM/CNN is do away with the feature selection process of </a:t>
+            </a:r>
+            <a:r>
+              <a:rPr lang="en-GB"/>
+              <a:t>last time</a:t>
+            </a:r>
+          </a:p>
+          <a:p>
+            <a:pPr lvl="1"/>
             <a:endParaRPr lang="en-GB" dirty="0"/>
           </a:p>
           <a:p>

--- a/10 mins Prediction on 2016ACdata using LSTM-RNN.pptx
+++ b/10 mins Prediction on 2016ACdata using LSTM-RNN.pptx
@@ -8536,10 +8536,10 @@
       </p:grpSpPr>
       <p:pic>
         <p:nvPicPr>
-          <p:cNvPr id="14" name="Picture 13">
-            <a:extLst>
-              <a:ext uri="{FF2B5EF4-FFF2-40B4-BE49-F238E27FC236}">
-                <a16:creationId xmlns:a16="http://schemas.microsoft.com/office/drawing/2014/main" id="{A668AEF7-0AA0-49C0-A74D-B6CD7BB69821}"/>
+          <p:cNvPr id="4" name="Picture 3">
+            <a:extLst>
+              <a:ext uri="{FF2B5EF4-FFF2-40B4-BE49-F238E27FC236}">
+                <a16:creationId xmlns:a16="http://schemas.microsoft.com/office/drawing/2014/main" id="{E16EC019-CDC3-4AD7-9C22-540151D2D661}"/>
               </a:ext>
             </a:extLst>
           </p:cNvPr>
@@ -8556,224 +8556,20 @@
         </p:blipFill>
         <p:spPr>
           <a:xfrm>
-            <a:off x="933158" y="3972487"/>
-            <a:ext cx="5009837" cy="2494282"/>
+            <a:off x="903490" y="3971854"/>
+            <a:ext cx="5035706" cy="2501849"/>
           </a:xfrm>
           <a:prstGeom prst="rect">
             <a:avLst/>
           </a:prstGeom>
         </p:spPr>
       </p:pic>
-      <p:sp>
-        <p:nvSpPr>
-          <p:cNvPr id="2" name="Title 1">
-            <a:extLst>
-              <a:ext uri="{FF2B5EF4-FFF2-40B4-BE49-F238E27FC236}">
-                <a16:creationId xmlns:a16="http://schemas.microsoft.com/office/drawing/2014/main" id="{27796892-F46A-4AC8-97CA-E20158A1AC48}"/>
-              </a:ext>
-            </a:extLst>
-          </p:cNvPr>
-          <p:cNvSpPr>
-            <a:spLocks noGrp="1"/>
-          </p:cNvSpPr>
-          <p:nvPr>
-            <p:ph type="title"/>
-          </p:nvPr>
-        </p:nvSpPr>
-        <p:spPr/>
-        <p:txBody>
-          <a:bodyPr/>
-          <a:lstStyle/>
-          <a:p>
-            <a:r>
-              <a:rPr lang="en-GB" dirty="0"/>
-              <a:t>Results for 0804 </a:t>
-            </a:r>
-            <a:r>
-              <a:rPr lang="en-GB" dirty="0" err="1"/>
-              <a:t>LVr</a:t>
-            </a:r>
-            <a:endParaRPr lang="en-GB" dirty="0"/>
-          </a:p>
-        </p:txBody>
-      </p:sp>
-      <p:sp>
-        <p:nvSpPr>
-          <p:cNvPr id="6" name="TextBox 5">
-            <a:extLst>
-              <a:ext uri="{FF2B5EF4-FFF2-40B4-BE49-F238E27FC236}">
-                <a16:creationId xmlns:a16="http://schemas.microsoft.com/office/drawing/2014/main" id="{722F8B8A-7C66-47A4-B10B-F6B9AA3C73F9}"/>
-              </a:ext>
-            </a:extLst>
-          </p:cNvPr>
-          <p:cNvSpPr txBox="1"/>
-          <p:nvPr/>
-        </p:nvSpPr>
-        <p:spPr>
-          <a:xfrm>
-            <a:off x="7172587" y="2030136"/>
-            <a:ext cx="4664279" cy="3970318"/>
-          </a:xfrm>
-          <a:prstGeom prst="rect">
-            <a:avLst/>
-          </a:prstGeom>
-          <a:noFill/>
-        </p:spPr>
-        <p:txBody>
-          <a:bodyPr wrap="square" rtlCol="0">
-            <a:spAutoFit/>
-          </a:bodyPr>
-          <a:lstStyle/>
-          <a:p>
-            <a:r>
-              <a:rPr lang="en-GB" sz="1400" dirty="0"/>
-              <a:t>Trained on </a:t>
-            </a:r>
-          </a:p>
-          <a:p>
-            <a:r>
-              <a:rPr lang="en-GB" sz="1400" dirty="0"/>
-              <a:t>X = [ IT, OT, Setpoint, [ON/OFF] ](t-1 to t-96)</a:t>
-            </a:r>
-          </a:p>
-          <a:p>
-            <a:r>
-              <a:rPr lang="en-GB" sz="1400" dirty="0"/>
-              <a:t>Y = Power (t)</a:t>
-            </a:r>
-          </a:p>
-          <a:p>
-            <a:endParaRPr lang="en-GB" sz="1400" dirty="0"/>
-          </a:p>
-          <a:p>
-            <a:r>
-              <a:rPr lang="en-GB" sz="1400" dirty="0"/>
-              <a:t>1 timestep</a:t>
-            </a:r>
-            <a:r>
-              <a:rPr lang="en-GB" sz="1400" dirty="0">
-                <a:sym typeface="Wingdings" panose="05000000000000000000" pitchFamily="2" charset="2"/>
-              </a:rPr>
-              <a:t> 10 min</a:t>
-            </a:r>
-            <a:endParaRPr lang="en-GB" sz="1400" dirty="0"/>
-          </a:p>
-          <a:p>
-            <a:endParaRPr lang="en-GB" sz="1400" dirty="0"/>
-          </a:p>
-          <a:p>
-            <a:r>
-              <a:rPr lang="en-GB" sz="1400" dirty="0"/>
-              <a:t>RMSE = 242.701055182</a:t>
-            </a:r>
-          </a:p>
-          <a:p>
-            <a:r>
-              <a:rPr lang="en-GB" sz="1400" dirty="0"/>
-              <a:t>MAPE = 3.38876438005</a:t>
-            </a:r>
-          </a:p>
-          <a:p>
-            <a:endParaRPr lang="en-GB" sz="1400" dirty="0"/>
-          </a:p>
-          <a:p>
-            <a:r>
-              <a:rPr lang="en-GB" sz="1400" dirty="0"/>
-              <a:t>Seems like the LSTM is able to capture the general trend but again is lagging</a:t>
-            </a:r>
-          </a:p>
-          <a:p>
-            <a:r>
-              <a:rPr lang="en-GB" sz="1400" dirty="0">
-                <a:sym typeface="Wingdings" panose="05000000000000000000" pitchFamily="2" charset="2"/>
-              </a:rPr>
-              <a:t>Need a room thermal model+ AC model+ Behaviour model</a:t>
-            </a:r>
-          </a:p>
-          <a:p>
-            <a:endParaRPr lang="en-GB" sz="1400" dirty="0">
-              <a:sym typeface="Wingdings" panose="05000000000000000000" pitchFamily="2" charset="2"/>
-            </a:endParaRPr>
-          </a:p>
-          <a:p>
-            <a:r>
-              <a:rPr lang="en-GB" sz="1400" dirty="0">
-                <a:sym typeface="Wingdings" panose="05000000000000000000" pitchFamily="2" charset="2"/>
-              </a:rPr>
-              <a:t>Sometimes LSTM outputs &lt;0 or fluctuates around the low values  gets penalized heavily by MAPE</a:t>
-            </a:r>
-          </a:p>
-          <a:p>
-            <a:endParaRPr lang="en-GB" sz="1400" dirty="0">
-              <a:sym typeface="Wingdings" panose="05000000000000000000" pitchFamily="2" charset="2"/>
-            </a:endParaRPr>
-          </a:p>
-          <a:p>
-            <a:r>
-              <a:rPr lang="en-GB" sz="1400" dirty="0">
-                <a:sym typeface="Wingdings" panose="05000000000000000000" pitchFamily="2" charset="2"/>
-              </a:rPr>
-              <a:t>If fluctuations are removed  predicted&lt;100=7</a:t>
-            </a:r>
-          </a:p>
-          <a:p>
-            <a:r>
-              <a:rPr lang="en-GB" sz="1400" dirty="0">
-                <a:sym typeface="Wingdings" panose="05000000000000000000" pitchFamily="2" charset="2"/>
-              </a:rPr>
-              <a:t>MAPE = 1.07269059803</a:t>
-            </a:r>
-            <a:endParaRPr lang="en-GB" sz="1400" dirty="0"/>
-          </a:p>
-        </p:txBody>
-      </p:sp>
-      <p:sp>
-        <p:nvSpPr>
-          <p:cNvPr id="10" name="TextBox 9">
-            <a:extLst>
-              <a:ext uri="{FF2B5EF4-FFF2-40B4-BE49-F238E27FC236}">
-                <a16:creationId xmlns:a16="http://schemas.microsoft.com/office/drawing/2014/main" id="{F18F818F-6801-4750-9CBC-3A81058161A1}"/>
-              </a:ext>
-            </a:extLst>
-          </p:cNvPr>
-          <p:cNvSpPr txBox="1"/>
-          <p:nvPr/>
-        </p:nvSpPr>
-        <p:spPr>
-          <a:xfrm>
-            <a:off x="2008704" y="4803986"/>
-            <a:ext cx="1247970" cy="523220"/>
-          </a:xfrm>
-          <a:prstGeom prst="rect">
-            <a:avLst/>
-          </a:prstGeom>
-          <a:noFill/>
-        </p:spPr>
-        <p:txBody>
-          <a:bodyPr wrap="none" rtlCol="0">
-            <a:spAutoFit/>
-          </a:bodyPr>
-          <a:lstStyle/>
-          <a:p>
-            <a:r>
-              <a:rPr lang="en-GB" sz="1400" dirty="0"/>
-              <a:t>Black actual</a:t>
-            </a:r>
-          </a:p>
-          <a:p>
-            <a:r>
-              <a:rPr lang="en-GB" sz="1400" dirty="0"/>
-              <a:t>Blue predicted</a:t>
-            </a:r>
-          </a:p>
-        </p:txBody>
-      </p:sp>
       <p:pic>
         <p:nvPicPr>
-          <p:cNvPr id="11" name="Picture 10">
-            <a:extLst>
-              <a:ext uri="{FF2B5EF4-FFF2-40B4-BE49-F238E27FC236}">
-                <a16:creationId xmlns:a16="http://schemas.microsoft.com/office/drawing/2014/main" id="{ECBB2243-00C8-4B45-9174-555D36FA3C5B}"/>
+          <p:cNvPr id="3" name="Picture 2">
+            <a:extLst>
+              <a:ext uri="{FF2B5EF4-FFF2-40B4-BE49-F238E27FC236}">
+                <a16:creationId xmlns:a16="http://schemas.microsoft.com/office/drawing/2014/main" id="{392F9841-3DE0-4ACE-829C-78F7AA3EEDF0}"/>
               </a:ext>
             </a:extLst>
           </p:cNvPr>
@@ -8790,14 +8586,225 @@
         </p:blipFill>
         <p:spPr>
           <a:xfrm>
-            <a:off x="951473" y="1425719"/>
-            <a:ext cx="4991522" cy="2533575"/>
+            <a:off x="903490" y="1318761"/>
+            <a:ext cx="5087487" cy="2532942"/>
           </a:xfrm>
           <a:prstGeom prst="rect">
             <a:avLst/>
           </a:prstGeom>
         </p:spPr>
       </p:pic>
+      <p:sp>
+        <p:nvSpPr>
+          <p:cNvPr id="2" name="Title 1">
+            <a:extLst>
+              <a:ext uri="{FF2B5EF4-FFF2-40B4-BE49-F238E27FC236}">
+                <a16:creationId xmlns:a16="http://schemas.microsoft.com/office/drawing/2014/main" id="{27796892-F46A-4AC8-97CA-E20158A1AC48}"/>
+              </a:ext>
+            </a:extLst>
+          </p:cNvPr>
+          <p:cNvSpPr>
+            <a:spLocks noGrp="1"/>
+          </p:cNvSpPr>
+          <p:nvPr>
+            <p:ph type="title"/>
+          </p:nvPr>
+        </p:nvSpPr>
+        <p:spPr/>
+        <p:txBody>
+          <a:bodyPr/>
+          <a:lstStyle/>
+          <a:p>
+            <a:r>
+              <a:rPr lang="en-GB" dirty="0"/>
+              <a:t>Results for 0804 </a:t>
+            </a:r>
+            <a:r>
+              <a:rPr lang="en-GB" dirty="0" err="1"/>
+              <a:t>LVr</a:t>
+            </a:r>
+            <a:endParaRPr lang="en-GB" dirty="0"/>
+          </a:p>
+        </p:txBody>
+      </p:sp>
+      <p:sp>
+        <p:nvSpPr>
+          <p:cNvPr id="6" name="TextBox 5">
+            <a:extLst>
+              <a:ext uri="{FF2B5EF4-FFF2-40B4-BE49-F238E27FC236}">
+                <a16:creationId xmlns:a16="http://schemas.microsoft.com/office/drawing/2014/main" id="{722F8B8A-7C66-47A4-B10B-F6B9AA3C73F9}"/>
+              </a:ext>
+            </a:extLst>
+          </p:cNvPr>
+          <p:cNvSpPr txBox="1"/>
+          <p:nvPr/>
+        </p:nvSpPr>
+        <p:spPr>
+          <a:xfrm>
+            <a:off x="7172587" y="2030136"/>
+            <a:ext cx="4664279" cy="4185761"/>
+          </a:xfrm>
+          <a:prstGeom prst="rect">
+            <a:avLst/>
+          </a:prstGeom>
+          <a:noFill/>
+        </p:spPr>
+        <p:txBody>
+          <a:bodyPr wrap="square" rtlCol="0">
+            <a:spAutoFit/>
+          </a:bodyPr>
+          <a:lstStyle/>
+          <a:p>
+            <a:r>
+              <a:rPr lang="en-GB" sz="1400" dirty="0"/>
+              <a:t>Trained on </a:t>
+            </a:r>
+          </a:p>
+          <a:p>
+            <a:r>
+              <a:rPr lang="en-GB" sz="1400" dirty="0"/>
+              <a:t>X = [ IT, OT, Setpoint, [ON/OFF] ](t-1 to t-96) </a:t>
+            </a:r>
+            <a:r>
+              <a:rPr lang="en-GB" sz="1400" dirty="0">
+                <a:sym typeface="Wingdings" panose="05000000000000000000" pitchFamily="2" charset="2"/>
+              </a:rPr>
+              <a:t> 3 normal + 2x 1hot vectors</a:t>
+            </a:r>
+            <a:endParaRPr lang="en-GB" sz="1400" dirty="0"/>
+          </a:p>
+          <a:p>
+            <a:r>
+              <a:rPr lang="en-GB" sz="1400" dirty="0"/>
+              <a:t>Y = Power (t)</a:t>
+            </a:r>
+          </a:p>
+          <a:p>
+            <a:endParaRPr lang="en-GB" sz="1400" dirty="0"/>
+          </a:p>
+          <a:p>
+            <a:r>
+              <a:rPr lang="en-GB" sz="1400" dirty="0"/>
+              <a:t>1 timestep</a:t>
+            </a:r>
+            <a:r>
+              <a:rPr lang="en-GB" sz="1400" dirty="0">
+                <a:sym typeface="Wingdings" panose="05000000000000000000" pitchFamily="2" charset="2"/>
+              </a:rPr>
+              <a:t> 10 min</a:t>
+            </a:r>
+            <a:endParaRPr lang="en-GB" sz="1400" dirty="0"/>
+          </a:p>
+          <a:p>
+            <a:endParaRPr lang="en-GB" sz="1400" dirty="0"/>
+          </a:p>
+          <a:p>
+            <a:r>
+              <a:rPr lang="en-GB" sz="1400" dirty="0"/>
+              <a:t>RMSE = 289.781083574</a:t>
+            </a:r>
+          </a:p>
+          <a:p>
+            <a:r>
+              <a:rPr lang="en-GB" sz="1400" dirty="0"/>
+              <a:t>MAPE = 2.60436196686</a:t>
+            </a:r>
+          </a:p>
+          <a:p>
+            <a:endParaRPr lang="en-GB" sz="1400" dirty="0"/>
+          </a:p>
+          <a:p>
+            <a:r>
+              <a:rPr lang="en-GB" sz="1400" dirty="0"/>
+              <a:t>Seems like the LSTM is able to capture the general trend but again is lagging</a:t>
+            </a:r>
+          </a:p>
+          <a:p>
+            <a:r>
+              <a:rPr lang="en-GB" sz="1400" dirty="0">
+                <a:sym typeface="Wingdings" panose="05000000000000000000" pitchFamily="2" charset="2"/>
+              </a:rPr>
+              <a:t>Need a room thermal model+ AC model+ Behaviour model</a:t>
+            </a:r>
+          </a:p>
+          <a:p>
+            <a:endParaRPr lang="en-GB" sz="1400" dirty="0">
+              <a:sym typeface="Wingdings" panose="05000000000000000000" pitchFamily="2" charset="2"/>
+            </a:endParaRPr>
+          </a:p>
+          <a:p>
+            <a:r>
+              <a:rPr lang="en-GB" sz="1400" dirty="0">
+                <a:sym typeface="Wingdings" panose="05000000000000000000" pitchFamily="2" charset="2"/>
+              </a:rPr>
+              <a:t>Sometimes LSTM outputs &lt;0 or fluctuates around the low values  gets penalized heavily by MAPE</a:t>
+            </a:r>
+          </a:p>
+          <a:p>
+            <a:endParaRPr lang="en-GB" sz="1400" dirty="0">
+              <a:sym typeface="Wingdings" panose="05000000000000000000" pitchFamily="2" charset="2"/>
+            </a:endParaRPr>
+          </a:p>
+          <a:p>
+            <a:r>
+              <a:rPr lang="en-GB" sz="1400" dirty="0">
+                <a:sym typeface="Wingdings" panose="05000000000000000000" pitchFamily="2" charset="2"/>
+              </a:rPr>
+              <a:t>If fluctuations are removed  predicted&lt;100=7</a:t>
+            </a:r>
+          </a:p>
+          <a:p>
+            <a:r>
+              <a:rPr lang="en-GB" sz="1400" dirty="0">
+                <a:sym typeface="Wingdings" panose="05000000000000000000" pitchFamily="2" charset="2"/>
+              </a:rPr>
+              <a:t>MAPE = 1.09212201702</a:t>
+            </a:r>
+            <a:endParaRPr lang="en-GB" sz="1400" dirty="0"/>
+          </a:p>
+        </p:txBody>
+      </p:sp>
+      <p:sp>
+        <p:nvSpPr>
+          <p:cNvPr id="10" name="TextBox 9">
+            <a:extLst>
+              <a:ext uri="{FF2B5EF4-FFF2-40B4-BE49-F238E27FC236}">
+                <a16:creationId xmlns:a16="http://schemas.microsoft.com/office/drawing/2014/main" id="{F18F818F-6801-4750-9CBC-3A81058161A1}"/>
+              </a:ext>
+            </a:extLst>
+          </p:cNvPr>
+          <p:cNvSpPr txBox="1"/>
+          <p:nvPr/>
+        </p:nvSpPr>
+        <p:spPr>
+          <a:xfrm>
+            <a:off x="2008704" y="4803986"/>
+            <a:ext cx="1247970" cy="523220"/>
+          </a:xfrm>
+          <a:prstGeom prst="rect">
+            <a:avLst/>
+          </a:prstGeom>
+          <a:noFill/>
+        </p:spPr>
+        <p:txBody>
+          <a:bodyPr wrap="none" rtlCol="0">
+            <a:spAutoFit/>
+          </a:bodyPr>
+          <a:lstStyle/>
+          <a:p>
+            <a:r>
+              <a:rPr lang="en-GB" sz="1400" dirty="0"/>
+              <a:t>Black actual</a:t>
+            </a:r>
+          </a:p>
+          <a:p>
+            <a:r>
+              <a:rPr lang="en-GB" sz="1400" dirty="0"/>
+              <a:t>Blue predicted</a:t>
+            </a:r>
+          </a:p>
+        </p:txBody>
+      </p:sp>
       <p:sp>
         <p:nvSpPr>
           <p:cNvPr id="12" name="TextBox 11">
@@ -8863,7 +8870,7 @@
           <a:p>
             <a:r>
               <a:rPr lang="en-GB" sz="1400" dirty="0"/>
-              <a:t>Overall (1350:1500)</a:t>
+              <a:t>Overall (2000:2200)</a:t>
             </a:r>
           </a:p>
         </p:txBody>
@@ -8898,45 +8905,12 @@
           <a:chExt cx="0" cy="0"/>
         </a:xfrm>
       </p:grpSpPr>
-      <p:sp>
-        <p:nvSpPr>
-          <p:cNvPr id="2" name="Title 1">
-            <a:extLst>
-              <a:ext uri="{FF2B5EF4-FFF2-40B4-BE49-F238E27FC236}">
-                <a16:creationId xmlns:a16="http://schemas.microsoft.com/office/drawing/2014/main" id="{256915E1-E74F-4C2B-85A4-297F4C52AA20}"/>
-              </a:ext>
-            </a:extLst>
-          </p:cNvPr>
-          <p:cNvSpPr>
-            <a:spLocks noGrp="1"/>
-          </p:cNvSpPr>
-          <p:nvPr>
-            <p:ph type="title"/>
-          </p:nvPr>
-        </p:nvSpPr>
-        <p:spPr/>
-        <p:txBody>
-          <a:bodyPr/>
-          <a:lstStyle/>
-          <a:p>
-            <a:r>
-              <a:rPr lang="en-GB" dirty="0"/>
-              <a:t>Results for 0401 </a:t>
-            </a:r>
-            <a:r>
-              <a:rPr lang="en-GB" dirty="0" err="1"/>
-              <a:t>Bedr</a:t>
-            </a:r>
-            <a:endParaRPr lang="en-GB" dirty="0"/>
-          </a:p>
-        </p:txBody>
-      </p:sp>
       <p:pic>
         <p:nvPicPr>
-          <p:cNvPr id="4" name="Picture 3">
-            <a:extLst>
-              <a:ext uri="{FF2B5EF4-FFF2-40B4-BE49-F238E27FC236}">
-                <a16:creationId xmlns:a16="http://schemas.microsoft.com/office/drawing/2014/main" id="{06BBDB1B-63EC-4108-8738-A07C60F25E96}"/>
+          <p:cNvPr id="9" name="Picture 8">
+            <a:extLst>
+              <a:ext uri="{FF2B5EF4-FFF2-40B4-BE49-F238E27FC236}">
+                <a16:creationId xmlns:a16="http://schemas.microsoft.com/office/drawing/2014/main" id="{2D0F4556-7D1A-4AC2-BD8A-FE48446D885E}"/>
               </a:ext>
             </a:extLst>
           </p:cNvPr>
@@ -8953,8 +8927,8 @@
         </p:blipFill>
         <p:spPr>
           <a:xfrm>
-            <a:off x="838200" y="1269141"/>
-            <a:ext cx="5034094" cy="2555184"/>
+            <a:off x="782257" y="4023071"/>
+            <a:ext cx="5066668" cy="2538746"/>
           </a:xfrm>
           <a:prstGeom prst="rect">
             <a:avLst/>
@@ -8963,10 +8937,10 @@
       </p:pic>
       <p:pic>
         <p:nvPicPr>
-          <p:cNvPr id="5" name="Picture 4">
-            <a:extLst>
-              <a:ext uri="{FF2B5EF4-FFF2-40B4-BE49-F238E27FC236}">
-                <a16:creationId xmlns:a16="http://schemas.microsoft.com/office/drawing/2014/main" id="{BCE582AB-872F-4DE4-92CD-D9F637345A38}"/>
+          <p:cNvPr id="3" name="Picture 2">
+            <a:extLst>
+              <a:ext uri="{FF2B5EF4-FFF2-40B4-BE49-F238E27FC236}">
+                <a16:creationId xmlns:a16="http://schemas.microsoft.com/office/drawing/2014/main" id="{F2F18BD0-AFFF-4474-8ACB-ECB260E2589A}"/>
               </a:ext>
             </a:extLst>
           </p:cNvPr>
@@ -8983,14 +8957,47 @@
         </p:blipFill>
         <p:spPr>
           <a:xfrm>
-            <a:off x="758889" y="4018327"/>
-            <a:ext cx="5113405" cy="2545846"/>
+            <a:off x="782257" y="1382749"/>
+            <a:ext cx="5066668" cy="2549643"/>
           </a:xfrm>
           <a:prstGeom prst="rect">
             <a:avLst/>
           </a:prstGeom>
         </p:spPr>
       </p:pic>
+      <p:sp>
+        <p:nvSpPr>
+          <p:cNvPr id="2" name="Title 1">
+            <a:extLst>
+              <a:ext uri="{FF2B5EF4-FFF2-40B4-BE49-F238E27FC236}">
+                <a16:creationId xmlns:a16="http://schemas.microsoft.com/office/drawing/2014/main" id="{256915E1-E74F-4C2B-85A4-297F4C52AA20}"/>
+              </a:ext>
+            </a:extLst>
+          </p:cNvPr>
+          <p:cNvSpPr>
+            <a:spLocks noGrp="1"/>
+          </p:cNvSpPr>
+          <p:nvPr>
+            <p:ph type="title"/>
+          </p:nvPr>
+        </p:nvSpPr>
+        <p:spPr/>
+        <p:txBody>
+          <a:bodyPr/>
+          <a:lstStyle/>
+          <a:p>
+            <a:r>
+              <a:rPr lang="en-GB" dirty="0"/>
+              <a:t>Results for 0401 </a:t>
+            </a:r>
+            <a:r>
+              <a:rPr lang="en-GB" dirty="0" err="1"/>
+              <a:t>Bedr</a:t>
+            </a:r>
+            <a:endParaRPr lang="en-GB" dirty="0"/>
+          </a:p>
+        </p:txBody>
+      </p:sp>
       <p:sp>
         <p:nvSpPr>
           <p:cNvPr id="6" name="TextBox 5">
@@ -9097,7 +9104,7 @@
           <a:p>
             <a:r>
               <a:rPr lang="en-GB" sz="1400" u="sng" dirty="0"/>
-              <a:t>Zoomed plot (2000:2500)</a:t>
+              <a:t>Zoomed plot (2000:2200)</a:t>
             </a:r>
           </a:p>
         </p:txBody>
@@ -9117,7 +9124,7 @@
         <p:spPr>
           <a:xfrm>
             <a:off x="6689521" y="1246189"/>
-            <a:ext cx="4664279" cy="4462760"/>
+            <a:ext cx="4664279" cy="4185761"/>
           </a:xfrm>
           <a:prstGeom prst="rect">
             <a:avLst/>
@@ -9160,8 +9167,15 @@
           <a:p>
             <a:r>
               <a:rPr lang="en-GB" sz="1400" dirty="0"/>
-              <a:t>[ON/OFF]_B1, [ON/OFF]_Mb ,[3 modes]_B1 ],[3 modes]_Mb(t-1 to t-96)</a:t>
-            </a:r>
+              <a:t>[ON/OFF]_B1, [ON/OFF]_Mb ,[3 modes]_B1 ],[3 modes]_Mb(t-1 to t-96) </a:t>
+            </a:r>
+            <a:r>
+              <a:rPr lang="en-GB" sz="1400" dirty="0">
+                <a:sym typeface="Wingdings" panose="05000000000000000000" pitchFamily="2" charset="2"/>
+              </a:rPr>
+              <a:t> 5 normal + 10x1hot vectors</a:t>
+            </a:r>
+            <a:endParaRPr lang="en-GB" sz="1400" dirty="0"/>
           </a:p>
           <a:p>
             <a:r>
@@ -9191,13 +9205,13 @@
           <a:p>
             <a:r>
               <a:rPr lang="en-GB" sz="1400" dirty="0"/>
-              <a:t>RMSE = 101.864510656</a:t>
+              <a:t>RMSE = 56.750771871</a:t>
             </a:r>
           </a:p>
           <a:p>
             <a:r>
               <a:rPr lang="en-GB" sz="1400" dirty="0"/>
-              <a:t>MAPE = 0.888225933294</a:t>
+              <a:t>MAPE = 1.04924480112</a:t>
             </a:r>
           </a:p>
           <a:p>
@@ -9252,11 +9266,8 @@
             </a:r>
             <a:r>
               <a:rPr lang="en-GB" sz="1400" dirty="0"/>
-              <a:t>0.458638229327</a:t>
-            </a:r>
-          </a:p>
-          <a:p>
-            <a:endParaRPr lang="en-GB" sz="1400" dirty="0"/>
+              <a:t>0.461951918621</a:t>
+            </a:r>
           </a:p>
         </p:txBody>
       </p:sp>
@@ -9364,11 +9375,15 @@
             <a:pPr lvl="1"/>
             <a:r>
               <a:rPr lang="en-GB" dirty="0"/>
-              <a:t>Point of using LSTM/CNN is do away with the feature selection process of </a:t>
-            </a:r>
-            <a:r>
-              <a:rPr lang="en-GB"/>
-              <a:t>last time</a:t>
+              <a:t>Point of using LSTM/CNN is do away with the feature selection process like the </a:t>
+            </a:r>
+            <a:r>
+              <a:rPr lang="en-GB" dirty="0" err="1"/>
+              <a:t>Smartgreens</a:t>
+            </a:r>
+            <a:r>
+              <a:rPr lang="en-GB" dirty="0"/>
+              <a:t> paper</a:t>
             </a:r>
           </a:p>
           <a:p>
